--- a/presentation/模型相似度总结.pptx
+++ b/presentation/模型相似度总结.pptx
@@ -209,7 +209,7 @@
           <a:p>
             <a:fld id="{8F9B3686-F1B9-4FAD-BAB3-314199D40161}" type="datetimeFigureOut">
               <a:rPr lang="zh-CN" altLang="en-US" smtClean="0"/>
-              <a:t>2016/11/2</a:t>
+              <a:t>2016/11/20</a:t>
             </a:fld>
             <a:endParaRPr lang="zh-CN" altLang="en-US"/>
           </a:p>
@@ -665,7 +665,7 @@
           <a:p>
             <a:fld id="{5001D50A-EC23-4CB9-8BA0-24864161E3A6}" type="datetime1">
               <a:rPr lang="zh-CN" altLang="en-US" smtClean="0"/>
-              <a:t>2016/11/2</a:t>
+              <a:t>2016/11/20</a:t>
             </a:fld>
             <a:endParaRPr lang="zh-CN" altLang="en-US"/>
           </a:p>
@@ -849,7 +849,7 @@
           <a:p>
             <a:fld id="{3D3F35ED-01E7-429B-8805-A499526B8AAB}" type="datetime1">
               <a:rPr lang="zh-CN" altLang="en-US" smtClean="0"/>
-              <a:t>2016/11/2</a:t>
+              <a:t>2016/11/20</a:t>
             </a:fld>
             <a:endParaRPr lang="zh-CN" altLang="en-US"/>
           </a:p>
@@ -1047,7 +1047,7 @@
           <a:p>
             <a:fld id="{B2C46DA2-3B45-4C0B-8527-72E0D7B2A8A6}" type="datetime1">
               <a:rPr lang="zh-CN" altLang="en-US" smtClean="0"/>
-              <a:t>2016/11/2</a:t>
+              <a:t>2016/11/20</a:t>
             </a:fld>
             <a:endParaRPr lang="zh-CN" altLang="en-US"/>
           </a:p>
@@ -1359,7 +1359,7 @@
           <a:p>
             <a:fld id="{1EC64AA9-B12B-4F6F-B726-86A301A36D85}" type="datetime1">
               <a:rPr lang="zh-CN" altLang="en-US" smtClean="0"/>
-              <a:t>2016/11/2</a:t>
+              <a:t>2016/11/20</a:t>
             </a:fld>
             <a:endParaRPr lang="zh-CN" altLang="en-US"/>
           </a:p>
@@ -1614,7 +1614,7 @@
           <a:p>
             <a:fld id="{14D8EAD9-18F4-4D55-8169-B9F0F141098A}" type="datetime1">
               <a:rPr lang="zh-CN" altLang="en-US" smtClean="0"/>
-              <a:t>2016/11/2</a:t>
+              <a:t>2016/11/20</a:t>
             </a:fld>
             <a:endParaRPr lang="zh-CN" altLang="en-US"/>
           </a:p>
@@ -1868,7 +1868,7 @@
           <a:p>
             <a:fld id="{85AC9A04-B028-4DDA-983A-740574A9E66D}" type="datetime1">
               <a:rPr lang="zh-CN" altLang="en-US" smtClean="0"/>
-              <a:t>2016/11/2</a:t>
+              <a:t>2016/11/20</a:t>
             </a:fld>
             <a:endParaRPr lang="zh-CN" altLang="en-US"/>
           </a:p>
@@ -2039,7 +2039,7 @@
           <a:p>
             <a:fld id="{D9DB1E25-8DD9-4720-B450-942147513C7B}" type="datetime1">
               <a:rPr lang="zh-CN" altLang="en-US" smtClean="0"/>
-              <a:t>2016/11/2</a:t>
+              <a:t>2016/11/20</a:t>
             </a:fld>
             <a:endParaRPr lang="zh-CN" altLang="en-US"/>
           </a:p>
@@ -2286,7 +2286,7 @@
           <a:p>
             <a:fld id="{B58B35D1-FCAC-47DF-9DF5-1E7F0B07E164}" type="datetime1">
               <a:rPr lang="zh-CN" altLang="en-US" smtClean="0"/>
-              <a:t>2016/11/2</a:t>
+              <a:t>2016/11/20</a:t>
             </a:fld>
             <a:endParaRPr lang="zh-CN" altLang="en-US"/>
           </a:p>
@@ -2575,7 +2575,7 @@
           <a:p>
             <a:fld id="{A80948EF-79EA-4708-987F-B19FA086B737}" type="datetime1">
               <a:rPr lang="zh-CN" altLang="en-US" smtClean="0"/>
-              <a:t>2016/11/2</a:t>
+              <a:t>2016/11/20</a:t>
             </a:fld>
             <a:endParaRPr lang="zh-CN" altLang="en-US"/>
           </a:p>
@@ -2998,7 +2998,7 @@
           <a:p>
             <a:fld id="{28625BBF-8388-43C1-944A-7D851096784B}" type="datetime1">
               <a:rPr lang="zh-CN" altLang="en-US" smtClean="0"/>
-              <a:t>2016/11/2</a:t>
+              <a:t>2016/11/20</a:t>
             </a:fld>
             <a:endParaRPr lang="zh-CN" altLang="en-US"/>
           </a:p>
@@ -3117,7 +3117,7 @@
           <a:p>
             <a:fld id="{5EF1A5DB-2420-4E3F-AC13-F688C594B25F}" type="datetime1">
               <a:rPr lang="zh-CN" altLang="en-US" smtClean="0"/>
-              <a:t>2016/11/2</a:t>
+              <a:t>2016/11/20</a:t>
             </a:fld>
             <a:endParaRPr lang="zh-CN" altLang="en-US"/>
           </a:p>
@@ -3294,7 +3294,7 @@
           <a:p>
             <a:fld id="{80BF0690-A703-4B2D-9115-56F45C58BADF}" type="datetime1">
               <a:rPr lang="zh-CN" altLang="en-US" smtClean="0"/>
-              <a:t>2016/11/2</a:t>
+              <a:t>2016/11/20</a:t>
             </a:fld>
             <a:endParaRPr lang="zh-CN" altLang="en-US"/>
           </a:p>
@@ -3401,7 +3401,7 @@
           <a:p>
             <a:fld id="{D39EAD53-3679-4020-991E-3B68F87EB4AC}" type="datetime1">
               <a:rPr lang="zh-CN" altLang="en-US" smtClean="0"/>
-              <a:t>2016/11/2</a:t>
+              <a:t>2016/11/20</a:t>
             </a:fld>
             <a:endParaRPr lang="zh-CN" altLang="en-US"/>
           </a:p>
@@ -3679,7 +3679,7 @@
           <a:p>
             <a:fld id="{B7A483D2-76FA-4185-92C5-12BF82FF3277}" type="datetime1">
               <a:rPr lang="zh-CN" altLang="en-US" smtClean="0"/>
-              <a:t>2016/11/2</a:t>
+              <a:t>2016/11/20</a:t>
             </a:fld>
             <a:endParaRPr lang="zh-CN" altLang="en-US"/>
           </a:p>
@@ -3937,7 +3937,7 @@
           <a:p>
             <a:fld id="{F36F3ECD-19CF-4162-A536-FF7D9BEE1774}" type="datetime1">
               <a:rPr lang="zh-CN" altLang="en-US" smtClean="0"/>
-              <a:t>2016/11/2</a:t>
+              <a:t>2016/11/20</a:t>
             </a:fld>
             <a:endParaRPr lang="zh-CN" altLang="en-US"/>
           </a:p>
@@ -4108,7 +4108,7 @@
           <a:p>
             <a:fld id="{53833ECD-9B68-480F-A6FC-812ADAB1AA09}" type="datetime1">
               <a:rPr lang="zh-CN" altLang="en-US" smtClean="0"/>
-              <a:t>2016/11/2</a:t>
+              <a:t>2016/11/20</a:t>
             </a:fld>
             <a:endParaRPr lang="zh-CN" altLang="en-US"/>
           </a:p>
@@ -4289,7 +4289,7 @@
           <a:p>
             <a:fld id="{EB61443D-70A7-47D0-B669-ACD1C8F878EA}" type="datetime1">
               <a:rPr lang="zh-CN" altLang="en-US" smtClean="0"/>
-              <a:t>2016/11/2</a:t>
+              <a:t>2016/11/20</a:t>
             </a:fld>
             <a:endParaRPr lang="zh-CN" altLang="en-US"/>
           </a:p>
@@ -4397,7 +4397,6 @@
               <a:rPr lang="zh-CN" altLang="en-US" noProof="0" smtClean="0"/>
               <a:t>单击此处编辑母版标题样式</a:t>
             </a:r>
-            <a:endParaRPr lang="zh-CN" altLang="en-US" noProof="0" smtClean="0"/>
           </a:p>
         </p:txBody>
       </p:sp>
@@ -4432,7 +4431,6 @@
               <a:rPr lang="zh-CN" altLang="en-US" noProof="0" smtClean="0"/>
               <a:t>单击此处编辑母版副标题样式</a:t>
             </a:r>
-            <a:endParaRPr lang="zh-CN" altLang="en-US" noProof="0" smtClean="0"/>
           </a:p>
         </p:txBody>
       </p:sp>
@@ -4457,7 +4455,7 @@
           <a:p>
             <a:fld id="{85AC9A04-B028-4DDA-983A-740574A9E66D}" type="datetime1">
               <a:rPr lang="zh-CN" altLang="en-US" smtClean="0"/>
-              <a:t>2016/11/2</a:t>
+              <a:t>2016/11/20</a:t>
             </a:fld>
             <a:endParaRPr lang="zh-CN" altLang="en-US"/>
           </a:p>
@@ -4642,7 +4640,7 @@
           <a:p>
             <a:fld id="{D9DB1E25-8DD9-4720-B450-942147513C7B}" type="datetime1">
               <a:rPr lang="zh-CN" altLang="en-US" smtClean="0"/>
-              <a:t>2016/11/2</a:t>
+              <a:t>2016/11/20</a:t>
             </a:fld>
             <a:endParaRPr lang="zh-CN" altLang="en-US"/>
           </a:p>
@@ -4853,7 +4851,7 @@
           <a:p>
             <a:fld id="{B58B35D1-FCAC-47DF-9DF5-1E7F0B07E164}" type="datetime1">
               <a:rPr lang="zh-CN" altLang="en-US" smtClean="0"/>
-              <a:t>2016/11/2</a:t>
+              <a:t>2016/11/20</a:t>
             </a:fld>
             <a:endParaRPr lang="zh-CN" altLang="en-US"/>
           </a:p>
@@ -5160,7 +5158,7 @@
           <a:p>
             <a:fld id="{A80948EF-79EA-4708-987F-B19FA086B737}" type="datetime1">
               <a:rPr lang="zh-CN" altLang="en-US" smtClean="0"/>
-              <a:t>2016/11/2</a:t>
+              <a:t>2016/11/20</a:t>
             </a:fld>
             <a:endParaRPr lang="zh-CN" altLang="en-US"/>
           </a:p>
@@ -5606,7 +5604,7 @@
           <a:p>
             <a:fld id="{28625BBF-8388-43C1-944A-7D851096784B}" type="datetime1">
               <a:rPr lang="zh-CN" altLang="en-US" smtClean="0"/>
-              <a:t>2016/11/2</a:t>
+              <a:t>2016/11/20</a:t>
             </a:fld>
             <a:endParaRPr lang="zh-CN" altLang="en-US"/>
           </a:p>
@@ -5817,7 +5815,7 @@
           <a:p>
             <a:fld id="{A9980376-D79A-43BE-BEEF-4F5232401EB7}" type="datetime1">
               <a:rPr lang="zh-CN" altLang="en-US" smtClean="0"/>
-              <a:t>2016/11/2</a:t>
+              <a:t>2016/11/20</a:t>
             </a:fld>
             <a:endParaRPr lang="zh-CN" altLang="en-US"/>
           </a:p>
@@ -5953,7 +5951,7 @@
           <a:p>
             <a:fld id="{5EF1A5DB-2420-4E3F-AC13-F688C594B25F}" type="datetime1">
               <a:rPr lang="zh-CN" altLang="en-US" smtClean="0"/>
-              <a:t>2016/11/2</a:t>
+              <a:t>2016/11/20</a:t>
             </a:fld>
             <a:endParaRPr lang="zh-CN" altLang="en-US"/>
           </a:p>
@@ -6067,7 +6065,7 @@
           <a:p>
             <a:fld id="{D39EAD53-3679-4020-991E-3B68F87EB4AC}" type="datetime1">
               <a:rPr lang="zh-CN" altLang="en-US" smtClean="0"/>
-              <a:t>2016/11/2</a:t>
+              <a:t>2016/11/20</a:t>
             </a:fld>
             <a:endParaRPr lang="zh-CN" altLang="en-US"/>
           </a:p>
@@ -6363,7 +6361,7 @@
           <a:p>
             <a:fld id="{B7A483D2-76FA-4185-92C5-12BF82FF3277}" type="datetime1">
               <a:rPr lang="zh-CN" altLang="en-US" smtClean="0"/>
-              <a:t>2016/11/2</a:t>
+              <a:t>2016/11/20</a:t>
             </a:fld>
             <a:endParaRPr lang="zh-CN" altLang="en-US"/>
           </a:p>
@@ -6548,7 +6546,6 @@
               <a:rPr lang="zh-CN" altLang="en-US" noProof="0" smtClean="0"/>
               <a:t>单击图标添加图片</a:t>
             </a:r>
-            <a:endParaRPr lang="zh-CN" altLang="en-US" noProof="0" smtClean="0"/>
           </a:p>
         </p:txBody>
       </p:sp>
@@ -6640,7 +6637,7 @@
           <a:p>
             <a:fld id="{F36F3ECD-19CF-4162-A536-FF7D9BEE1774}" type="datetime1">
               <a:rPr lang="zh-CN" altLang="en-US" smtClean="0"/>
-              <a:t>2016/11/2</a:t>
+              <a:t>2016/11/20</a:t>
             </a:fld>
             <a:endParaRPr lang="zh-CN" altLang="en-US"/>
           </a:p>
@@ -6829,7 +6826,7 @@
           <a:p>
             <a:fld id="{53833ECD-9B68-480F-A6FC-812ADAB1AA09}" type="datetime1">
               <a:rPr lang="zh-CN" altLang="en-US" smtClean="0"/>
-              <a:t>2016/11/2</a:t>
+              <a:t>2016/11/20</a:t>
             </a:fld>
             <a:endParaRPr lang="zh-CN" altLang="en-US"/>
           </a:p>
@@ -7028,7 +7025,7 @@
           <a:p>
             <a:fld id="{EB61443D-70A7-47D0-B669-ACD1C8F878EA}" type="datetime1">
               <a:rPr lang="zh-CN" altLang="en-US" smtClean="0"/>
-              <a:t>2016/11/2</a:t>
+              <a:t>2016/11/20</a:t>
             </a:fld>
             <a:endParaRPr lang="zh-CN" altLang="en-US"/>
           </a:p>
@@ -7341,7 +7338,7 @@
           <a:p>
             <a:fld id="{09C3E15B-2CD9-443B-968B-2924DDA1532A}" type="datetime1">
               <a:rPr lang="zh-CN" altLang="en-US" smtClean="0"/>
-              <a:t>2016/11/2</a:t>
+              <a:t>2016/11/20</a:t>
             </a:fld>
             <a:endParaRPr lang="zh-CN" altLang="en-US"/>
           </a:p>
@@ -7598,7 +7595,7 @@
           <a:p>
             <a:fld id="{09C3E15B-2CD9-443B-968B-2924DDA1532A}" type="datetime1">
               <a:rPr lang="zh-CN" altLang="en-US" smtClean="0"/>
-              <a:t>2016/11/2</a:t>
+              <a:t>2016/11/20</a:t>
             </a:fld>
             <a:endParaRPr lang="zh-CN" altLang="en-US"/>
           </a:p>
@@ -7855,7 +7852,7 @@
             <a:fld id="{5A8251C9-9C9E-41E3-B884-17ABE256450A}" type="datetimeFigureOut">
               <a:rPr lang="zh-CN" altLang="en-US" smtClean="0"/>
               <a:pPr/>
-              <a:t>2016/11/2</a:t>
+              <a:t>2016/11/20</a:t>
             </a:fld>
             <a:endParaRPr lang="zh-CN" altLang="en-US"/>
           </a:p>
@@ -8027,7 +8024,7 @@
             <a:fld id="{5A8251C9-9C9E-41E3-B884-17ABE256450A}" type="datetimeFigureOut">
               <a:rPr lang="zh-CN" altLang="en-US" smtClean="0"/>
               <a:pPr/>
-              <a:t>2016/11/2</a:t>
+              <a:t>2016/11/20</a:t>
             </a:fld>
             <a:endParaRPr lang="zh-CN" altLang="en-US"/>
           </a:p>
@@ -8322,7 +8319,7 @@
           <a:p>
             <a:fld id="{50396602-8830-4954-BFC8-621B85752865}" type="datetime1">
               <a:rPr lang="zh-CN" altLang="en-US" smtClean="0"/>
-              <a:t>2016/11/2</a:t>
+              <a:t>2016/11/20</a:t>
             </a:fld>
             <a:endParaRPr lang="zh-CN" altLang="en-US"/>
           </a:p>
@@ -8581,7 +8578,7 @@
             <a:fld id="{5A8251C9-9C9E-41E3-B884-17ABE256450A}" type="datetimeFigureOut">
               <a:rPr lang="zh-CN" altLang="en-US" smtClean="0"/>
               <a:pPr/>
-              <a:t>2016/11/2</a:t>
+              <a:t>2016/11/20</a:t>
             </a:fld>
             <a:endParaRPr lang="zh-CN" altLang="en-US"/>
           </a:p>
@@ -8871,7 +8868,7 @@
             <a:fld id="{5A8251C9-9C9E-41E3-B884-17ABE256450A}" type="datetimeFigureOut">
               <a:rPr lang="zh-CN" altLang="en-US" smtClean="0"/>
               <a:pPr/>
-              <a:t>2016/11/2</a:t>
+              <a:t>2016/11/20</a:t>
             </a:fld>
             <a:endParaRPr lang="zh-CN" altLang="en-US"/>
           </a:p>
@@ -9295,7 +9292,7 @@
             <a:fld id="{5A8251C9-9C9E-41E3-B884-17ABE256450A}" type="datetimeFigureOut">
               <a:rPr lang="zh-CN" altLang="en-US" smtClean="0"/>
               <a:pPr/>
-              <a:t>2016/11/2</a:t>
+              <a:t>2016/11/20</a:t>
             </a:fld>
             <a:endParaRPr lang="zh-CN" altLang="en-US"/>
           </a:p>
@@ -9415,7 +9412,7 @@
             <a:fld id="{5A8251C9-9C9E-41E3-B884-17ABE256450A}" type="datetimeFigureOut">
               <a:rPr lang="zh-CN" altLang="en-US" smtClean="0"/>
               <a:pPr/>
-              <a:t>2016/11/2</a:t>
+              <a:t>2016/11/20</a:t>
             </a:fld>
             <a:endParaRPr lang="zh-CN" altLang="en-US"/>
           </a:p>
@@ -9512,7 +9509,7 @@
             <a:fld id="{5A8251C9-9C9E-41E3-B884-17ABE256450A}" type="datetimeFigureOut">
               <a:rPr lang="zh-CN" altLang="en-US" smtClean="0"/>
               <a:pPr/>
-              <a:t>2016/11/2</a:t>
+              <a:t>2016/11/20</a:t>
             </a:fld>
             <a:endParaRPr lang="zh-CN" altLang="en-US"/>
           </a:p>
@@ -9791,7 +9788,7 @@
             <a:fld id="{5A8251C9-9C9E-41E3-B884-17ABE256450A}" type="datetimeFigureOut">
               <a:rPr lang="zh-CN" altLang="en-US" smtClean="0"/>
               <a:pPr/>
-              <a:t>2016/11/2</a:t>
+              <a:t>2016/11/20</a:t>
             </a:fld>
             <a:endParaRPr lang="zh-CN" altLang="en-US"/>
           </a:p>
@@ -10050,7 +10047,7 @@
             <a:fld id="{5A8251C9-9C9E-41E3-B884-17ABE256450A}" type="datetimeFigureOut">
               <a:rPr lang="zh-CN" altLang="en-US" smtClean="0"/>
               <a:pPr/>
-              <a:t>2016/11/2</a:t>
+              <a:t>2016/11/20</a:t>
             </a:fld>
             <a:endParaRPr lang="zh-CN" altLang="en-US"/>
           </a:p>
@@ -10222,7 +10219,7 @@
             <a:fld id="{5A8251C9-9C9E-41E3-B884-17ABE256450A}" type="datetimeFigureOut">
               <a:rPr lang="zh-CN" altLang="en-US" smtClean="0"/>
               <a:pPr/>
-              <a:t>2016/11/2</a:t>
+              <a:t>2016/11/20</a:t>
             </a:fld>
             <a:endParaRPr lang="zh-CN" altLang="en-US"/>
           </a:p>
@@ -10404,7 +10401,7 @@
             <a:fld id="{5A8251C9-9C9E-41E3-B884-17ABE256450A}" type="datetimeFigureOut">
               <a:rPr lang="zh-CN" altLang="en-US" smtClean="0"/>
               <a:pPr/>
-              <a:t>2016/11/2</a:t>
+              <a:t>2016/11/20</a:t>
             </a:fld>
             <a:endParaRPr lang="zh-CN" altLang="en-US"/>
           </a:p>
@@ -10838,7 +10835,7 @@
           <a:p>
             <a:fld id="{24DFFE62-E12F-4B16-8DA7-599867E98FBE}" type="datetime1">
               <a:rPr lang="zh-CN" altLang="en-US" smtClean="0"/>
-              <a:t>2016/11/2</a:t>
+              <a:t>2016/11/20</a:t>
             </a:fld>
             <a:endParaRPr lang="zh-CN" altLang="en-US"/>
           </a:p>
@@ -10974,7 +10971,7 @@
           <a:p>
             <a:fld id="{A0A4C13D-83EF-4F38-A079-BD7CFE1CF236}" type="datetime1">
               <a:rPr lang="zh-CN" altLang="en-US" smtClean="0"/>
-              <a:t>2016/11/2</a:t>
+              <a:t>2016/11/20</a:t>
             </a:fld>
             <a:endParaRPr lang="zh-CN" altLang="en-US"/>
           </a:p>
@@ -11087,7 +11084,7 @@
           <a:p>
             <a:fld id="{C5ED1431-BFE0-41F0-9EC5-4674898FF935}" type="datetime1">
               <a:rPr lang="zh-CN" altLang="en-US" smtClean="0"/>
-              <a:t>2016/11/2</a:t>
+              <a:t>2016/11/20</a:t>
             </a:fld>
             <a:endParaRPr lang="zh-CN" altLang="en-US"/>
           </a:p>
@@ -11382,7 +11379,7 @@
           <a:p>
             <a:fld id="{BE181920-FB0F-4882-A752-A81324916FA5}" type="datetime1">
               <a:rPr lang="zh-CN" altLang="en-US" smtClean="0"/>
-              <a:t>2016/11/2</a:t>
+              <a:t>2016/11/20</a:t>
             </a:fld>
             <a:endParaRPr lang="zh-CN" altLang="en-US"/>
           </a:p>
@@ -11657,7 +11654,7 @@
           <a:p>
             <a:fld id="{C0DD59AC-37E5-46CB-8BA0-CA732F14321B}" type="datetime1">
               <a:rPr lang="zh-CN" altLang="en-US" smtClean="0"/>
-              <a:t>2016/11/2</a:t>
+              <a:t>2016/11/20</a:t>
             </a:fld>
             <a:endParaRPr lang="zh-CN" altLang="en-US"/>
           </a:p>
@@ -11911,7 +11908,7 @@
           <a:p>
             <a:fld id="{A8510046-B2C0-4C23-B763-6D067A48C231}" type="datetime1">
               <a:rPr lang="zh-CN" altLang="en-US" smtClean="0"/>
-              <a:t>2016/11/2</a:t>
+              <a:t>2016/11/20</a:t>
             </a:fld>
             <a:endParaRPr lang="zh-CN" altLang="en-US"/>
           </a:p>
@@ -12721,7 +12718,7 @@
           <a:p>
             <a:fld id="{09C3E15B-2CD9-443B-968B-2924DDA1532A}" type="datetime1">
               <a:rPr lang="zh-CN" altLang="en-US" smtClean="0"/>
-              <a:t>2016/11/2</a:t>
+              <a:t>2016/11/20</a:t>
             </a:fld>
             <a:endParaRPr lang="zh-CN" altLang="en-US"/>
           </a:p>
@@ -13262,7 +13259,7 @@
           <a:p>
             <a:fld id="{A8510046-B2C0-4C23-B763-6D067A48C231}" type="datetime1">
               <a:rPr lang="zh-CN" altLang="en-US" smtClean="0"/>
-              <a:t>2016/11/2</a:t>
+              <a:t>2016/11/20</a:t>
             </a:fld>
             <a:endParaRPr lang="zh-CN" altLang="en-US"/>
           </a:p>
@@ -14077,7 +14074,7 @@
             <a:fld id="{5A8251C9-9C9E-41E3-B884-17ABE256450A}" type="datetimeFigureOut">
               <a:rPr lang="zh-CN" altLang="en-US" smtClean="0"/>
               <a:pPr/>
-              <a:t>2016/11/2</a:t>
+              <a:t>2016/11/20</a:t>
             </a:fld>
             <a:endParaRPr lang="zh-CN" altLang="en-US"/>
           </a:p>
@@ -14768,11 +14765,7 @@
             </a:r>
             <a:r>
               <a:rPr lang="zh-CN" altLang="en-US" dirty="0" smtClean="0"/>
-              <a:t>的理论</a:t>
-            </a:r>
-            <a:r>
-              <a:rPr lang="zh-CN" altLang="en-US" dirty="0" smtClean="0"/>
-              <a:t>解释和仿真</a:t>
+              <a:t>的理论解释和仿真</a:t>
             </a:r>
             <a:endParaRPr lang="en-US" altLang="zh-CN" dirty="0"/>
           </a:p>
@@ -14925,8 +14918,8 @@
           </a:p>
         </p:txBody>
       </p:sp>
-      <mc:AlternateContent xmlns:mc="http://schemas.openxmlformats.org/markup-compatibility/2006">
-        <mc:Choice xmlns:a14="http://schemas.microsoft.com/office/drawing/2010/main" Requires="a14">
+      <mc:AlternateContent xmlns:mc="http://schemas.openxmlformats.org/markup-compatibility/2006" xmlns:a14="http://schemas.microsoft.com/office/drawing/2010/main">
+        <mc:Choice Requires="a14">
           <p:sp>
             <p:nvSpPr>
               <p:cNvPr id="8" name="内容占位符 7"/>
@@ -15309,7 +15302,7 @@
             </p:txBody>
           </p:sp>
         </mc:Choice>
-        <mc:Fallback>
+        <mc:Fallback xmlns="">
           <p:sp>
             <p:nvSpPr>
               <p:cNvPr id="8" name="内容占位符 7"/>
@@ -15370,8 +15363,8 @@
           </a:p>
         </p:txBody>
       </p:sp>
-      <mc:AlternateContent xmlns:mc="http://schemas.openxmlformats.org/markup-compatibility/2006">
-        <mc:Choice xmlns:a14="http://schemas.microsoft.com/office/drawing/2010/main" Requires="a14">
+      <mc:AlternateContent xmlns:mc="http://schemas.openxmlformats.org/markup-compatibility/2006" xmlns:a14="http://schemas.microsoft.com/office/drawing/2010/main">
+        <mc:Choice Requires="a14">
           <p:sp>
             <p:nvSpPr>
               <p:cNvPr id="10" name="内容占位符 9"/>
@@ -15700,7 +15693,7 @@
             </p:txBody>
           </p:sp>
         </mc:Choice>
-        <mc:Fallback>
+        <mc:Fallback xmlns="">
           <p:sp>
             <p:nvSpPr>
               <p:cNvPr id="10" name="内容占位符 9"/>
@@ -15817,8 +15810,8 @@
           </a:p>
         </p:txBody>
       </p:sp>
-      <mc:AlternateContent xmlns:mc="http://schemas.openxmlformats.org/markup-compatibility/2006">
-        <mc:Choice xmlns:a14="http://schemas.microsoft.com/office/drawing/2010/main" Requires="a14">
+      <mc:AlternateContent xmlns:mc="http://schemas.openxmlformats.org/markup-compatibility/2006" xmlns:a14="http://schemas.microsoft.com/office/drawing/2010/main">
+        <mc:Choice Requires="a14">
           <p:sp>
             <p:nvSpPr>
               <p:cNvPr id="6" name="文本占位符 5"/>
@@ -16324,7 +16317,7 @@
             </p:txBody>
           </p:sp>
         </mc:Choice>
-        <mc:Fallback>
+        <mc:Fallback xmlns="">
           <p:sp>
             <p:nvSpPr>
               <p:cNvPr id="6" name="文本占位符 5"/>
@@ -16362,8 +16355,8 @@
           </p:sp>
         </mc:Fallback>
       </mc:AlternateContent>
-      <mc:AlternateContent xmlns:mc="http://schemas.openxmlformats.org/markup-compatibility/2006">
-        <mc:Choice xmlns:a14="http://schemas.microsoft.com/office/drawing/2010/main" Requires="a14">
+      <mc:AlternateContent xmlns:mc="http://schemas.openxmlformats.org/markup-compatibility/2006" xmlns:a14="http://schemas.microsoft.com/office/drawing/2010/main">
+        <mc:Choice Requires="a14">
           <p:sp>
             <p:nvSpPr>
               <p:cNvPr id="7" name="内容占位符 6"/>
@@ -16986,7 +16979,7 @@
             </p:txBody>
           </p:sp>
         </mc:Choice>
-        <mc:Fallback>
+        <mc:Fallback xmlns="">
           <p:sp>
             <p:nvSpPr>
               <p:cNvPr id="7" name="内容占位符 6"/>
@@ -17024,8 +17017,8 @@
           </p:sp>
         </mc:Fallback>
       </mc:AlternateContent>
-      <mc:AlternateContent xmlns:mc="http://schemas.openxmlformats.org/markup-compatibility/2006">
-        <mc:Choice xmlns:a14="http://schemas.microsoft.com/office/drawing/2010/main" Requires="a14">
+      <mc:AlternateContent xmlns:mc="http://schemas.openxmlformats.org/markup-compatibility/2006" xmlns:a14="http://schemas.microsoft.com/office/drawing/2010/main">
+        <mc:Choice Requires="a14">
           <p:sp>
             <p:nvSpPr>
               <p:cNvPr id="8" name="内容占位符 7"/>
@@ -17606,7 +17599,7 @@
             </p:txBody>
           </p:sp>
         </mc:Choice>
-        <mc:Fallback>
+        <mc:Fallback xmlns="">
           <p:sp>
             <p:nvSpPr>
               <p:cNvPr id="8" name="内容占位符 7"/>
@@ -17713,8 +17706,8 @@
           </a:prstGeom>
         </p:spPr>
       </p:pic>
-      <mc:AlternateContent xmlns:mc="http://schemas.openxmlformats.org/markup-compatibility/2006">
-        <mc:Choice xmlns:a14="http://schemas.microsoft.com/office/drawing/2010/main" Requires="a14">
+      <mc:AlternateContent xmlns:mc="http://schemas.openxmlformats.org/markup-compatibility/2006" xmlns:a14="http://schemas.microsoft.com/office/drawing/2010/main">
+        <mc:Choice Requires="a14">
           <p:sp>
             <p:nvSpPr>
               <p:cNvPr id="13" name="内容占位符 7"/>
@@ -18423,7 +18416,7 @@
             </p:txBody>
           </p:sp>
         </mc:Choice>
-        <mc:Fallback>
+        <mc:Fallback xmlns="">
           <p:sp>
             <p:nvSpPr>
               <p:cNvPr id="13" name="内容占位符 7"/>
@@ -18562,8 +18555,8 @@
           </a:p>
         </p:txBody>
       </p:sp>
-      <mc:AlternateContent xmlns:mc="http://schemas.openxmlformats.org/markup-compatibility/2006">
-        <mc:Choice xmlns:a14="http://schemas.microsoft.com/office/drawing/2010/main" Requires="a14">
+      <mc:AlternateContent xmlns:mc="http://schemas.openxmlformats.org/markup-compatibility/2006" xmlns:a14="http://schemas.microsoft.com/office/drawing/2010/main">
+        <mc:Choice Requires="a14">
           <p:sp>
             <p:nvSpPr>
               <p:cNvPr id="6" name="内容占位符 5"/>
@@ -19446,7 +19439,7 @@
             </p:txBody>
           </p:sp>
         </mc:Choice>
-        <mc:Fallback>
+        <mc:Fallback xmlns="">
           <p:sp>
             <p:nvSpPr>
               <p:cNvPr id="6" name="内容占位符 5"/>
@@ -20617,10 +20610,13 @@
                                 </m:sSubSupPr>
                                 <m:e>
                                   <m:r>
+                                    <m:rPr>
+                                      <m:sty m:val="p"/>
+                                    </m:rPr>
                                     <a:rPr lang="en-US" altLang="zh-CN" sz="1600" i="1">
                                       <a:latin typeface="Cambria Math" panose="02040503050406030204" pitchFamily="18" charset="0"/>
                                     </a:rPr>
-                                    <m:t>𝑢</m:t>
+                                    <m:t>y</m:t>
                                   </m:r>
                                 </m:e>
                                 <m:sub>
@@ -20641,10 +20637,10 @@
                                 </m:sup>
                               </m:sSubSup>
                               <m:r>
-                                <a:rPr lang="en-US" altLang="zh-CN" sz="1600" i="1">
+                                <a:rPr lang="en-US" altLang="zh-CN" sz="1600" b="0" i="1" smtClean="0">
                                   <a:latin typeface="Cambria Math" panose="02040503050406030204" pitchFamily="18" charset="0"/>
                                 </a:rPr>
-                                <m:t>𝑢</m:t>
+                                <m:t>𝑦</m:t>
                               </m:r>
                               <m:r>
                                 <a:rPr lang="en-US" altLang="zh-CN" sz="1600" i="1">
@@ -20674,10 +20670,10 @@
                                 </m:sSubSupPr>
                                 <m:e>
                                   <m:r>
-                                    <a:rPr lang="en-US" altLang="zh-CN" sz="1600" i="1">
-                                      <a:latin typeface="Cambria Math" panose="02040503050406030204" pitchFamily="18" charset="0"/>
-                                    </a:rPr>
-                                    <m:t>𝑣</m:t>
+                                    <a:rPr lang="en-US" altLang="zh-CN" sz="1600" b="0" i="1" smtClean="0">
+                                      <a:latin typeface="Cambria Math" panose="02040503050406030204" pitchFamily="18" charset="0"/>
+                                    </a:rPr>
+                                    <m:t>𝑧</m:t>
                                   </m:r>
                                 </m:e>
                                 <m:sub>
@@ -20698,10 +20694,10 @@
                                 </m:sup>
                               </m:sSubSup>
                               <m:r>
-                                <a:rPr lang="en-US" altLang="zh-CN" sz="1600" i="1">
+                                <a:rPr lang="en-US" altLang="zh-CN" sz="1600" b="0" i="1" smtClean="0">
                                   <a:latin typeface="Cambria Math" panose="02040503050406030204" pitchFamily="18" charset="0"/>
                                 </a:rPr>
-                                <m:t>𝑣</m:t>
+                                <m:t>𝑧</m:t>
                               </m:r>
                               <m:r>
                                 <a:rPr lang="en-US" altLang="zh-CN" sz="1600" i="1">
@@ -20843,7 +20839,12 @@
             <p:ph type="sldNum" sz="quarter" idx="12"/>
           </p:nvPr>
         </p:nvSpPr>
-        <p:spPr/>
+        <p:spPr>
+          <a:xfrm>
+            <a:off x="8183880" y="6248400"/>
+            <a:ext cx="502920" cy="457200"/>
+          </a:xfrm>
+        </p:spPr>
         <p:txBody>
           <a:bodyPr/>
           <a:lstStyle/>
@@ -20852,7 +20853,7 @@
               <a:rPr lang="zh-CN" altLang="en-US" smtClean="0"/>
               <a:t>5</a:t>
             </a:fld>
-            <a:endParaRPr lang="zh-CN" altLang="en-US"/>
+            <a:endParaRPr lang="zh-CN" altLang="en-US" dirty="0"/>
           </a:p>
         </p:txBody>
       </p:sp>
@@ -21004,8 +21005,8 @@
           </a:p>
         </p:txBody>
       </p:sp>
-      <mc:AlternateContent xmlns:mc="http://schemas.openxmlformats.org/markup-compatibility/2006">
-        <mc:Choice xmlns:a14="http://schemas.microsoft.com/office/drawing/2010/main" Requires="a14">
+      <mc:AlternateContent xmlns:mc="http://schemas.openxmlformats.org/markup-compatibility/2006" xmlns:a14="http://schemas.microsoft.com/office/drawing/2010/main">
+        <mc:Choice Requires="a14">
           <p:sp>
             <p:nvSpPr>
               <p:cNvPr id="6" name="内容占位符 5"/>
@@ -22156,118 +22157,160 @@
                           <m:begChr m:val="{"/>
                           <m:endChr m:val=""/>
                           <m:ctrlPr>
-                            <a:rPr lang="zh-CN" altLang="zh-CN" sz="1400" i="1"/>
+                            <a:rPr lang="zh-CN" altLang="zh-CN" sz="1400" i="1">
+                              <a:latin typeface="Cambria Math" panose="02040503050406030204" pitchFamily="18" charset="0"/>
+                            </a:rPr>
                           </m:ctrlPr>
                         </m:dPr>
                         <m:e>
                           <m:eqArr>
                             <m:eqArrPr>
                               <m:ctrlPr>
-                                <a:rPr lang="zh-CN" altLang="zh-CN" sz="1400" i="1"/>
+                                <a:rPr lang="zh-CN" altLang="zh-CN" sz="1400" i="1">
+                                  <a:latin typeface="Cambria Math" panose="02040503050406030204" pitchFamily="18" charset="0"/>
+                                </a:rPr>
                               </m:ctrlPr>
                             </m:eqArrPr>
                             <m:e>
                               <m:sSubSup>
                                 <m:sSubSupPr>
                                   <m:ctrlPr>
-                                    <a:rPr lang="zh-CN" altLang="zh-CN" sz="1400" i="1"/>
+                                    <a:rPr lang="zh-CN" altLang="zh-CN" sz="1400" i="1">
+                                      <a:latin typeface="Cambria Math" panose="02040503050406030204" pitchFamily="18" charset="0"/>
+                                    </a:rPr>
                                   </m:ctrlPr>
                                 </m:sSubSupPr>
                                 <m:e>
                                   <m:r>
-                                    <a:rPr lang="en-US" altLang="zh-CN" sz="1400" i="1"/>
+                                    <a:rPr lang="en-US" altLang="zh-CN" sz="1400" i="1">
+                                      <a:latin typeface="Cambria Math" panose="02040503050406030204" pitchFamily="18" charset="0"/>
+                                    </a:rPr>
                                     <m:t>𝑎</m:t>
                                   </m:r>
                                 </m:e>
                                 <m:sub>
                                   <m:r>
-                                    <a:rPr lang="en-US" altLang="zh-CN" sz="1400" i="1"/>
+                                    <a:rPr lang="en-US" altLang="zh-CN" sz="1400" i="1">
+                                      <a:latin typeface="Cambria Math" panose="02040503050406030204" pitchFamily="18" charset="0"/>
+                                    </a:rPr>
                                     <m:t>𝐹</m:t>
                                   </m:r>
                                   <m:r>
-                                    <a:rPr lang="en-US" altLang="zh-CN" sz="1400" i="1"/>
+                                    <a:rPr lang="en-US" altLang="zh-CN" sz="1400" i="1">
+                                      <a:latin typeface="Cambria Math" panose="02040503050406030204" pitchFamily="18" charset="0"/>
+                                    </a:rPr>
                                     <m:t>,1</m:t>
                                   </m:r>
                                 </m:sub>
                                 <m:sup>
                                   <m:r>
-                                    <a:rPr lang="en-US" altLang="zh-CN" sz="1400" i="1"/>
+                                    <a:rPr lang="en-US" altLang="zh-CN" sz="1400" i="1">
+                                      <a:latin typeface="Cambria Math" panose="02040503050406030204" pitchFamily="18" charset="0"/>
+                                    </a:rPr>
                                     <m:t>2</m:t>
                                   </m:r>
                                 </m:sup>
                               </m:sSubSup>
                               <m:r>
-                                <a:rPr lang="en-US" altLang="zh-CN" sz="1400" i="1"/>
+                                <a:rPr lang="en-US" altLang="zh-CN" sz="1400" i="1">
+                                  <a:latin typeface="Cambria Math" panose="02040503050406030204" pitchFamily="18" charset="0"/>
+                                </a:rPr>
                                 <m:t>+</m:t>
                               </m:r>
                               <m:sSubSup>
                                 <m:sSubSupPr>
                                   <m:ctrlPr>
-                                    <a:rPr lang="zh-CN" altLang="zh-CN" sz="1400" i="1"/>
+                                    <a:rPr lang="zh-CN" altLang="zh-CN" sz="1400" i="1">
+                                      <a:latin typeface="Cambria Math" panose="02040503050406030204" pitchFamily="18" charset="0"/>
+                                    </a:rPr>
                                   </m:ctrlPr>
                                 </m:sSubSupPr>
                                 <m:e>
                                   <m:r>
-                                    <a:rPr lang="en-US" altLang="zh-CN" sz="1400" i="1"/>
+                                    <a:rPr lang="en-US" altLang="zh-CN" sz="1400" i="1">
+                                      <a:latin typeface="Cambria Math" panose="02040503050406030204" pitchFamily="18" charset="0"/>
+                                    </a:rPr>
                                     <m:t>𝑎</m:t>
                                   </m:r>
                                 </m:e>
                                 <m:sub>
                                   <m:r>
-                                    <a:rPr lang="en-US" altLang="zh-CN" sz="1400" i="1"/>
+                                    <a:rPr lang="en-US" altLang="zh-CN" sz="1400" i="1">
+                                      <a:latin typeface="Cambria Math" panose="02040503050406030204" pitchFamily="18" charset="0"/>
+                                    </a:rPr>
                                     <m:t>𝐹</m:t>
                                   </m:r>
                                   <m:r>
-                                    <a:rPr lang="en-US" altLang="zh-CN" sz="1400" i="1"/>
+                                    <a:rPr lang="en-US" altLang="zh-CN" sz="1400" i="1">
+                                      <a:latin typeface="Cambria Math" panose="02040503050406030204" pitchFamily="18" charset="0"/>
+                                    </a:rPr>
                                     <m:t>,2</m:t>
                                   </m:r>
                                 </m:sub>
                                 <m:sup>
                                   <m:r>
-                                    <a:rPr lang="en-US" altLang="zh-CN" sz="1400" i="1"/>
+                                    <a:rPr lang="en-US" altLang="zh-CN" sz="1400" i="1">
+                                      <a:latin typeface="Cambria Math" panose="02040503050406030204" pitchFamily="18" charset="0"/>
+                                    </a:rPr>
                                     <m:t>2</m:t>
                                   </m:r>
                                 </m:sup>
                               </m:sSubSup>
                               <m:r>
-                                <a:rPr lang="en-US" altLang="zh-CN" sz="1400" i="1"/>
+                                <a:rPr lang="en-US" altLang="zh-CN" sz="1400" i="1">
+                                  <a:latin typeface="Cambria Math" panose="02040503050406030204" pitchFamily="18" charset="0"/>
+                                </a:rPr>
                                 <m:t>+…+</m:t>
                               </m:r>
                               <m:sSubSup>
                                 <m:sSubSupPr>
                                   <m:ctrlPr>
-                                    <a:rPr lang="zh-CN" altLang="zh-CN" sz="1400" i="1"/>
+                                    <a:rPr lang="zh-CN" altLang="zh-CN" sz="1400" i="1">
+                                      <a:latin typeface="Cambria Math" panose="02040503050406030204" pitchFamily="18" charset="0"/>
+                                    </a:rPr>
                                   </m:ctrlPr>
                                 </m:sSubSupPr>
                                 <m:e>
                                   <m:r>
-                                    <a:rPr lang="en-US" altLang="zh-CN" sz="1400" i="1"/>
+                                    <a:rPr lang="en-US" altLang="zh-CN" sz="1400" i="1">
+                                      <a:latin typeface="Cambria Math" panose="02040503050406030204" pitchFamily="18" charset="0"/>
+                                    </a:rPr>
                                     <m:t>𝑎</m:t>
                                   </m:r>
                                 </m:e>
                                 <m:sub>
                                   <m:r>
-                                    <a:rPr lang="en-US" altLang="zh-CN" sz="1400" i="1"/>
+                                    <a:rPr lang="en-US" altLang="zh-CN" sz="1400" i="1">
+                                      <a:latin typeface="Cambria Math" panose="02040503050406030204" pitchFamily="18" charset="0"/>
+                                    </a:rPr>
                                     <m:t>𝐹</m:t>
                                   </m:r>
                                   <m:r>
-                                    <a:rPr lang="en-US" altLang="zh-CN" sz="1400" i="1"/>
+                                    <a:rPr lang="en-US" altLang="zh-CN" sz="1400" i="1">
+                                      <a:latin typeface="Cambria Math" panose="02040503050406030204" pitchFamily="18" charset="0"/>
+                                    </a:rPr>
                                     <m:t>,</m:t>
                                   </m:r>
                                   <m:r>
-                                    <a:rPr lang="en-US" altLang="zh-CN" sz="1400" i="1"/>
+                                    <a:rPr lang="en-US" altLang="zh-CN" sz="1400" i="1">
+                                      <a:latin typeface="Cambria Math" panose="02040503050406030204" pitchFamily="18" charset="0"/>
+                                    </a:rPr>
                                     <m:t>𝑚</m:t>
                                   </m:r>
                                 </m:sub>
                                 <m:sup>
                                   <m:r>
-                                    <a:rPr lang="en-US" altLang="zh-CN" sz="1400" i="1"/>
+                                    <a:rPr lang="en-US" altLang="zh-CN" sz="1400" i="1">
+                                      <a:latin typeface="Cambria Math" panose="02040503050406030204" pitchFamily="18" charset="0"/>
+                                    </a:rPr>
                                     <m:t>2</m:t>
                                   </m:r>
                                 </m:sup>
                               </m:sSubSup>
                               <m:r>
-                                <a:rPr lang="en-US" altLang="zh-CN" sz="1400" i="1"/>
+                                <a:rPr lang="en-US" altLang="zh-CN" sz="1400" i="1">
+                                  <a:latin typeface="Cambria Math" panose="02040503050406030204" pitchFamily="18" charset="0"/>
+                                </a:rPr>
                                 <m:t>=1</m:t>
                               </m:r>
                             </m:e>
@@ -22275,104 +22318,142 @@
                               <m:sSubSup>
                                 <m:sSubSupPr>
                                   <m:ctrlPr>
-                                    <a:rPr lang="zh-CN" altLang="zh-CN" sz="1400" i="1"/>
+                                    <a:rPr lang="zh-CN" altLang="zh-CN" sz="1400" i="1">
+                                      <a:latin typeface="Cambria Math" panose="02040503050406030204" pitchFamily="18" charset="0"/>
+                                    </a:rPr>
                                   </m:ctrlPr>
                                 </m:sSubSupPr>
                                 <m:e>
                                   <m:r>
-                                    <a:rPr lang="en-US" altLang="zh-CN" sz="1400" i="1"/>
+                                    <a:rPr lang="en-US" altLang="zh-CN" sz="1400" i="1">
+                                      <a:latin typeface="Cambria Math" panose="02040503050406030204" pitchFamily="18" charset="0"/>
+                                    </a:rPr>
                                     <m:t>𝑎</m:t>
                                   </m:r>
                                 </m:e>
                                 <m:sub>
                                   <m:r>
-                                    <a:rPr lang="en-US" altLang="zh-CN" sz="1400" i="1"/>
+                                    <a:rPr lang="en-US" altLang="zh-CN" sz="1400" i="1">
+                                      <a:latin typeface="Cambria Math" panose="02040503050406030204" pitchFamily="18" charset="0"/>
+                                    </a:rPr>
                                     <m:t>𝐺</m:t>
                                   </m:r>
                                   <m:r>
-                                    <a:rPr lang="en-US" altLang="zh-CN" sz="1400" i="1"/>
+                                    <a:rPr lang="en-US" altLang="zh-CN" sz="1400" i="1">
+                                      <a:latin typeface="Cambria Math" panose="02040503050406030204" pitchFamily="18" charset="0"/>
+                                    </a:rPr>
                                     <m:t>,1</m:t>
                                   </m:r>
                                 </m:sub>
                                 <m:sup>
                                   <m:r>
-                                    <a:rPr lang="en-US" altLang="zh-CN" sz="1400" i="1"/>
+                                    <a:rPr lang="en-US" altLang="zh-CN" sz="1400" i="1">
+                                      <a:latin typeface="Cambria Math" panose="02040503050406030204" pitchFamily="18" charset="0"/>
+                                    </a:rPr>
                                     <m:t>2</m:t>
                                   </m:r>
                                 </m:sup>
                               </m:sSubSup>
                               <m:r>
-                                <a:rPr lang="en-US" altLang="zh-CN" sz="1400" i="1"/>
+                                <a:rPr lang="en-US" altLang="zh-CN" sz="1400" i="1">
+                                  <a:latin typeface="Cambria Math" panose="02040503050406030204" pitchFamily="18" charset="0"/>
+                                </a:rPr>
                                 <m:t>+</m:t>
                               </m:r>
                               <m:sSubSup>
                                 <m:sSubSupPr>
                                   <m:ctrlPr>
-                                    <a:rPr lang="zh-CN" altLang="zh-CN" sz="1400" i="1"/>
+                                    <a:rPr lang="zh-CN" altLang="zh-CN" sz="1400" i="1">
+                                      <a:latin typeface="Cambria Math" panose="02040503050406030204" pitchFamily="18" charset="0"/>
+                                    </a:rPr>
                                   </m:ctrlPr>
                                 </m:sSubSupPr>
                                 <m:e>
                                   <m:r>
-                                    <a:rPr lang="en-US" altLang="zh-CN" sz="1400" i="1"/>
+                                    <a:rPr lang="en-US" altLang="zh-CN" sz="1400" i="1">
+                                      <a:latin typeface="Cambria Math" panose="02040503050406030204" pitchFamily="18" charset="0"/>
+                                    </a:rPr>
                                     <m:t>𝑎</m:t>
                                   </m:r>
                                 </m:e>
                                 <m:sub>
                                   <m:r>
-                                    <a:rPr lang="en-US" altLang="zh-CN" sz="1400" i="1"/>
+                                    <a:rPr lang="en-US" altLang="zh-CN" sz="1400" i="1">
+                                      <a:latin typeface="Cambria Math" panose="02040503050406030204" pitchFamily="18" charset="0"/>
+                                    </a:rPr>
                                     <m:t>𝐺</m:t>
                                   </m:r>
                                   <m:r>
-                                    <a:rPr lang="en-US" altLang="zh-CN" sz="1400" i="1"/>
+                                    <a:rPr lang="en-US" altLang="zh-CN" sz="1400" i="1">
+                                      <a:latin typeface="Cambria Math" panose="02040503050406030204" pitchFamily="18" charset="0"/>
+                                    </a:rPr>
                                     <m:t>,2</m:t>
                                   </m:r>
                                 </m:sub>
                                 <m:sup>
                                   <m:r>
-                                    <a:rPr lang="en-US" altLang="zh-CN" sz="1400" i="1"/>
+                                    <a:rPr lang="en-US" altLang="zh-CN" sz="1400" i="1">
+                                      <a:latin typeface="Cambria Math" panose="02040503050406030204" pitchFamily="18" charset="0"/>
+                                    </a:rPr>
                                     <m:t>2</m:t>
                                   </m:r>
                                 </m:sup>
                               </m:sSubSup>
                               <m:r>
-                                <a:rPr lang="en-US" altLang="zh-CN" sz="1400" i="1"/>
+                                <a:rPr lang="en-US" altLang="zh-CN" sz="1400" i="1">
+                                  <a:latin typeface="Cambria Math" panose="02040503050406030204" pitchFamily="18" charset="0"/>
+                                </a:rPr>
                                 <m:t>+…+</m:t>
                               </m:r>
                               <m:sSubSup>
                                 <m:sSubSupPr>
                                   <m:ctrlPr>
-                                    <a:rPr lang="zh-CN" altLang="zh-CN" sz="1400" i="1"/>
+                                    <a:rPr lang="zh-CN" altLang="zh-CN" sz="1400" i="1">
+                                      <a:latin typeface="Cambria Math" panose="02040503050406030204" pitchFamily="18" charset="0"/>
+                                    </a:rPr>
                                   </m:ctrlPr>
                                 </m:sSubSupPr>
                                 <m:e>
                                   <m:r>
-                                    <a:rPr lang="en-US" altLang="zh-CN" sz="1400" i="1"/>
+                                    <a:rPr lang="en-US" altLang="zh-CN" sz="1400" i="1">
+                                      <a:latin typeface="Cambria Math" panose="02040503050406030204" pitchFamily="18" charset="0"/>
+                                    </a:rPr>
                                     <m:t>𝑎</m:t>
                                   </m:r>
                                 </m:e>
                                 <m:sub>
                                   <m:r>
-                                    <a:rPr lang="en-US" altLang="zh-CN" sz="1400" i="1"/>
+                                    <a:rPr lang="en-US" altLang="zh-CN" sz="1400" i="1">
+                                      <a:latin typeface="Cambria Math" panose="02040503050406030204" pitchFamily="18" charset="0"/>
+                                    </a:rPr>
                                     <m:t>𝐺</m:t>
                                   </m:r>
                                   <m:r>
-                                    <a:rPr lang="en-US" altLang="zh-CN" sz="1400" i="1"/>
+                                    <a:rPr lang="en-US" altLang="zh-CN" sz="1400" i="1">
+                                      <a:latin typeface="Cambria Math" panose="02040503050406030204" pitchFamily="18" charset="0"/>
+                                    </a:rPr>
                                     <m:t>,</m:t>
                                   </m:r>
                                   <m:r>
-                                    <a:rPr lang="en-US" altLang="zh-CN" sz="1400" i="1"/>
+                                    <a:rPr lang="en-US" altLang="zh-CN" sz="1400" i="1">
+                                      <a:latin typeface="Cambria Math" panose="02040503050406030204" pitchFamily="18" charset="0"/>
+                                    </a:rPr>
                                     <m:t>𝑚</m:t>
                                   </m:r>
                                 </m:sub>
                                 <m:sup>
                                   <m:r>
-                                    <a:rPr lang="en-US" altLang="zh-CN" sz="1400" i="1"/>
+                                    <a:rPr lang="en-US" altLang="zh-CN" sz="1400" i="1">
+                                      <a:latin typeface="Cambria Math" panose="02040503050406030204" pitchFamily="18" charset="0"/>
+                                    </a:rPr>
                                     <m:t>2</m:t>
                                   </m:r>
                                 </m:sup>
                               </m:sSubSup>
                               <m:r>
-                                <a:rPr lang="en-US" altLang="zh-CN" sz="1400" i="1"/>
+                                <a:rPr lang="en-US" altLang="zh-CN" sz="1400" i="1">
+                                  <a:latin typeface="Cambria Math" panose="02040503050406030204" pitchFamily="18" charset="0"/>
+                                </a:rPr>
                                 <m:t>=1</m:t>
                               </m:r>
                             </m:e>
@@ -22411,7 +22492,7 @@
             </p:txBody>
           </p:sp>
         </mc:Choice>
-        <mc:Fallback>
+        <mc:Fallback xmlns="">
           <p:sp>
             <p:nvSpPr>
               <p:cNvPr id="6" name="内容占位符 5"/>
@@ -22640,8 +22721,8 @@
           </a:p>
         </p:txBody>
       </p:sp>
-      <mc:AlternateContent xmlns:mc="http://schemas.openxmlformats.org/markup-compatibility/2006">
-        <mc:Choice xmlns:a14="http://schemas.microsoft.com/office/drawing/2010/main" Requires="a14">
+      <mc:AlternateContent xmlns:mc="http://schemas.openxmlformats.org/markup-compatibility/2006" xmlns:a14="http://schemas.microsoft.com/office/drawing/2010/main">
+        <mc:Choice Requires="a14">
           <p:sp>
             <p:nvSpPr>
               <p:cNvPr id="9" name="内容占位符 7"/>
@@ -24379,7 +24460,7 @@
             </p:txBody>
           </p:sp>
         </mc:Choice>
-        <mc:Fallback>
+        <mc:Fallback xmlns="">
           <p:sp>
             <p:nvSpPr>
               <p:cNvPr id="9" name="内容占位符 7"/>
@@ -24471,8 +24552,8 @@
           </a:p>
         </p:txBody>
       </p:sp>
-      <mc:AlternateContent xmlns:mc="http://schemas.openxmlformats.org/markup-compatibility/2006">
-        <mc:Choice xmlns:a14="http://schemas.microsoft.com/office/drawing/2010/main" Requires="a14">
+      <mc:AlternateContent xmlns:mc="http://schemas.openxmlformats.org/markup-compatibility/2006" xmlns:a14="http://schemas.microsoft.com/office/drawing/2010/main">
+        <mc:Choice Requires="a14">
           <p:sp>
             <p:nvSpPr>
               <p:cNvPr id="3" name="内容占位符 2"/>
@@ -24506,7 +24587,9 @@
                       <m:rPr>
                         <m:sty m:val="p"/>
                       </m:rPr>
-                      <a:rPr lang="en-US" altLang="zh-CN" sz="1400"/>
+                      <a:rPr lang="en-US" altLang="zh-CN" sz="1400">
+                        <a:latin typeface="Cambria Math" panose="02040503050406030204" pitchFamily="18" charset="0"/>
+                      </a:rPr>
                       <m:t>X</m:t>
                     </m:r>
                     <m:d>
@@ -24514,19 +24597,25 @@
                         <m:begChr m:val="["/>
                         <m:endChr m:val="]"/>
                         <m:ctrlPr>
-                          <a:rPr lang="zh-CN" altLang="zh-CN" sz="1400" i="1"/>
+                          <a:rPr lang="zh-CN" altLang="zh-CN" sz="1400" i="1">
+                            <a:latin typeface="Cambria Math" panose="02040503050406030204" pitchFamily="18" charset="0"/>
+                          </a:rPr>
                         </m:ctrlPr>
                       </m:dPr>
                       <m:e>
                         <m:r>
-                          <a:rPr lang="en-US" altLang="zh-CN" sz="1400"/>
+                          <a:rPr lang="en-US" altLang="zh-CN" sz="1400">
+                            <a:latin typeface="Cambria Math" panose="02040503050406030204" pitchFamily="18" charset="0"/>
+                          </a:rPr>
                           <m:t>1:</m:t>
                         </m:r>
                         <m:r>
                           <m:rPr>
                             <m:sty m:val="p"/>
                           </m:rPr>
-                          <a:rPr lang="en-US" altLang="zh-CN" sz="1400"/>
+                          <a:rPr lang="en-US" altLang="zh-CN" sz="1400">
+                            <a:latin typeface="Cambria Math" panose="02040503050406030204" pitchFamily="18" charset="0"/>
+                          </a:rPr>
                           <m:t>N</m:t>
                         </m:r>
                       </m:e>
@@ -24551,7 +24640,9 @@
                       <m:sSub>
                         <m:sSubPr>
                           <m:ctrlPr>
-                            <a:rPr lang="zh-CN" altLang="zh-CN" sz="1400" i="1"/>
+                            <a:rPr lang="zh-CN" altLang="zh-CN" sz="1400" i="1">
+                              <a:latin typeface="Cambria Math" panose="02040503050406030204" pitchFamily="18" charset="0"/>
+                            </a:rPr>
                           </m:ctrlPr>
                         </m:sSubPr>
                         <m:e>
@@ -24559,7 +24650,9 @@
                             <m:rPr>
                               <m:sty m:val="p"/>
                             </m:rPr>
-                            <a:rPr lang="en-US" altLang="zh-CN" sz="1400"/>
+                            <a:rPr lang="en-US" altLang="zh-CN" sz="1400">
+                              <a:latin typeface="Cambria Math" panose="02040503050406030204" pitchFamily="18" charset="0"/>
+                            </a:rPr>
                             <m:t>S</m:t>
                           </m:r>
                         </m:e>
@@ -24568,20 +24661,26 @@
                             <m:rPr>
                               <m:sty m:val="p"/>
                             </m:rPr>
-                            <a:rPr lang="en-US" altLang="zh-CN" sz="1400"/>
+                            <a:rPr lang="en-US" altLang="zh-CN" sz="1400">
+                              <a:latin typeface="Cambria Math" panose="02040503050406030204" pitchFamily="18" charset="0"/>
+                            </a:rPr>
                             <m:t>L</m:t>
                           </m:r>
                         </m:sub>
                       </m:sSub>
                       <m:r>
-                        <a:rPr lang="en-US" altLang="zh-CN" sz="1400"/>
+                        <a:rPr lang="en-US" altLang="zh-CN" sz="1400">
+                          <a:latin typeface="Cambria Math" panose="02040503050406030204" pitchFamily="18" charset="0"/>
+                        </a:rPr>
                         <m:t>=</m:t>
                       </m:r>
                       <m:r>
                         <m:rPr>
                           <m:sty m:val="p"/>
                         </m:rPr>
-                        <a:rPr lang="en-US" altLang="zh-CN" sz="1400"/>
+                        <a:rPr lang="en-US" altLang="zh-CN" sz="1400">
+                          <a:latin typeface="Cambria Math" panose="02040503050406030204" pitchFamily="18" charset="0"/>
+                        </a:rPr>
                         <m:t>mean</m:t>
                       </m:r>
                       <m:d>
@@ -24589,7 +24688,9 @@
                           <m:begChr m:val="{"/>
                           <m:endChr m:val="}"/>
                           <m:ctrlPr>
-                            <a:rPr lang="zh-CN" altLang="zh-CN" sz="1400" i="1"/>
+                            <a:rPr lang="zh-CN" altLang="zh-CN" sz="1400" i="1">
+                              <a:latin typeface="Cambria Math" panose="02040503050406030204" pitchFamily="18" charset="0"/>
+                            </a:rPr>
                           </m:ctrlPr>
                         </m:dPr>
                         <m:e>
@@ -24599,31 +24700,43 @@
                               <m:limLoc m:val="undOvr"/>
                               <m:supHide m:val="on"/>
                               <m:ctrlPr>
-                                <a:rPr lang="zh-CN" altLang="zh-CN" sz="1400" i="1"/>
+                                <a:rPr lang="zh-CN" altLang="zh-CN" sz="1400" i="1">
+                                  <a:latin typeface="Cambria Math" panose="02040503050406030204" pitchFamily="18" charset="0"/>
+                                </a:rPr>
                               </m:ctrlPr>
                             </m:naryPr>
                             <m:sub>
                               <m:r>
-                                <a:rPr lang="en-US" altLang="zh-CN" sz="1400" i="1"/>
+                                <a:rPr lang="en-US" altLang="zh-CN" sz="1400" i="1">
+                                  <a:latin typeface="Cambria Math" panose="02040503050406030204" pitchFamily="18" charset="0"/>
+                                </a:rPr>
                                 <m:t>𝑖</m:t>
                               </m:r>
                               <m:r>
-                                <a:rPr lang="en-US" altLang="zh-CN" sz="1400" i="1"/>
+                                <a:rPr lang="en-US" altLang="zh-CN" sz="1400" i="1">
+                                  <a:latin typeface="Cambria Math" panose="02040503050406030204" pitchFamily="18" charset="0"/>
+                                </a:rPr>
                                 <m:t>=0</m:t>
                               </m:r>
                             </m:sub>
                             <m:sup/>
                             <m:e>
                               <m:r>
-                                <a:rPr lang="en-US" altLang="zh-CN" sz="1400" i="1"/>
+                                <a:rPr lang="en-US" altLang="zh-CN" sz="1400" i="1">
+                                  <a:latin typeface="Cambria Math" panose="02040503050406030204" pitchFamily="18" charset="0"/>
+                                </a:rPr>
                                 <m:t>𝑠𝑖𝑚</m:t>
                               </m:r>
                               <m:r>
-                                <a:rPr lang="en-US" altLang="zh-CN" sz="1400" i="1"/>
+                                <a:rPr lang="en-US" altLang="zh-CN" sz="1400" i="1">
+                                  <a:latin typeface="Cambria Math" panose="02040503050406030204" pitchFamily="18" charset="0"/>
+                                </a:rPr>
                                 <m:t>(</m:t>
                               </m:r>
                               <m:r>
-                                <a:rPr lang="en-US" altLang="zh-CN" sz="1400" i="1"/>
+                                <a:rPr lang="en-US" altLang="zh-CN" sz="1400" i="1">
+                                  <a:latin typeface="Cambria Math" panose="02040503050406030204" pitchFamily="18" charset="0"/>
+                                </a:rPr>
                                 <m:t>𝑋</m:t>
                               </m:r>
                               <m:d>
@@ -24631,26 +24744,36 @@
                                   <m:begChr m:val="["/>
                                   <m:endChr m:val="]"/>
                                   <m:ctrlPr>
-                                    <a:rPr lang="zh-CN" altLang="zh-CN" sz="1400" i="1"/>
+                                    <a:rPr lang="zh-CN" altLang="zh-CN" sz="1400" i="1">
+                                      <a:latin typeface="Cambria Math" panose="02040503050406030204" pitchFamily="18" charset="0"/>
+                                    </a:rPr>
                                   </m:ctrlPr>
                                 </m:dPr>
                                 <m:e>
                                   <m:r>
-                                    <a:rPr lang="en-US" altLang="zh-CN" sz="1400" i="1"/>
+                                    <a:rPr lang="en-US" altLang="zh-CN" sz="1400" i="1">
+                                      <a:latin typeface="Cambria Math" panose="02040503050406030204" pitchFamily="18" charset="0"/>
+                                    </a:rPr>
                                     <m:t>1:</m:t>
                                   </m:r>
                                   <m:r>
-                                    <a:rPr lang="en-US" altLang="zh-CN" sz="1400" i="1"/>
+                                    <a:rPr lang="en-US" altLang="zh-CN" sz="1400" i="1">
+                                      <a:latin typeface="Cambria Math" panose="02040503050406030204" pitchFamily="18" charset="0"/>
+                                    </a:rPr>
                                     <m:t>𝑁</m:t>
                                   </m:r>
                                 </m:e>
                               </m:d>
                               <m:r>
-                                <a:rPr lang="en-US" altLang="zh-CN" sz="1400" i="1"/>
+                                <a:rPr lang="en-US" altLang="zh-CN" sz="1400" i="1">
+                                  <a:latin typeface="Cambria Math" panose="02040503050406030204" pitchFamily="18" charset="0"/>
+                                </a:rPr>
                                 <m:t>,</m:t>
                               </m:r>
                               <m:r>
-                                <a:rPr lang="en-US" altLang="zh-CN" sz="1400" i="1"/>
+                                <a:rPr lang="en-US" altLang="zh-CN" sz="1400" i="1">
+                                  <a:latin typeface="Cambria Math" panose="02040503050406030204" pitchFamily="18" charset="0"/>
+                                </a:rPr>
                                 <m:t>𝑋</m:t>
                               </m:r>
                               <m:d>
@@ -24658,50 +24781,72 @@
                                   <m:begChr m:val="["/>
                                   <m:endChr m:val="]"/>
                                   <m:ctrlPr>
-                                    <a:rPr lang="zh-CN" altLang="zh-CN" sz="1400" i="1"/>
+                                    <a:rPr lang="zh-CN" altLang="zh-CN" sz="1400" i="1">
+                                      <a:latin typeface="Cambria Math" panose="02040503050406030204" pitchFamily="18" charset="0"/>
+                                    </a:rPr>
                                   </m:ctrlPr>
                                 </m:dPr>
                                 <m:e>
                                   <m:r>
-                                    <a:rPr lang="en-US" altLang="zh-CN" sz="1400" i="1"/>
+                                    <a:rPr lang="en-US" altLang="zh-CN" sz="1400" i="1">
+                                      <a:latin typeface="Cambria Math" panose="02040503050406030204" pitchFamily="18" charset="0"/>
+                                    </a:rPr>
                                     <m:t>𝑖</m:t>
                                   </m:r>
                                   <m:r>
-                                    <a:rPr lang="en-US" altLang="zh-CN" sz="1400" i="1"/>
+                                    <a:rPr lang="en-US" altLang="zh-CN" sz="1400" i="1">
+                                      <a:latin typeface="Cambria Math" panose="02040503050406030204" pitchFamily="18" charset="0"/>
+                                    </a:rPr>
                                     <m:t>∗</m:t>
                                   </m:r>
                                   <m:r>
-                                    <a:rPr lang="en-US" altLang="zh-CN" sz="1400" i="1"/>
+                                    <a:rPr lang="en-US" altLang="zh-CN" sz="1400" i="1">
+                                      <a:latin typeface="Cambria Math" panose="02040503050406030204" pitchFamily="18" charset="0"/>
+                                    </a:rPr>
                                     <m:t>𝑠𝑡𝑒𝑝</m:t>
                                   </m:r>
                                   <m:r>
-                                    <a:rPr lang="en-US" altLang="zh-CN" sz="1400" i="1"/>
+                                    <a:rPr lang="en-US" altLang="zh-CN" sz="1400" i="1">
+                                      <a:latin typeface="Cambria Math" panose="02040503050406030204" pitchFamily="18" charset="0"/>
+                                    </a:rPr>
                                     <m:t>+1:</m:t>
                                   </m:r>
                                   <m:r>
-                                    <a:rPr lang="en-US" altLang="zh-CN" sz="1400" i="1"/>
+                                    <a:rPr lang="en-US" altLang="zh-CN" sz="1400" i="1">
+                                      <a:latin typeface="Cambria Math" panose="02040503050406030204" pitchFamily="18" charset="0"/>
+                                    </a:rPr>
                                     <m:t>𝑖</m:t>
                                   </m:r>
                                   <m:r>
-                                    <a:rPr lang="en-US" altLang="zh-CN" sz="1400" i="1"/>
+                                    <a:rPr lang="en-US" altLang="zh-CN" sz="1400" i="1">
+                                      <a:latin typeface="Cambria Math" panose="02040503050406030204" pitchFamily="18" charset="0"/>
+                                    </a:rPr>
                                     <m:t>∗</m:t>
                                   </m:r>
                                   <m:r>
-                                    <a:rPr lang="en-US" altLang="zh-CN" sz="1400" i="1"/>
+                                    <a:rPr lang="en-US" altLang="zh-CN" sz="1400" i="1">
+                                      <a:latin typeface="Cambria Math" panose="02040503050406030204" pitchFamily="18" charset="0"/>
+                                    </a:rPr>
                                     <m:t>𝑠𝑡𝑒𝑝</m:t>
                                   </m:r>
                                   <m:r>
-                                    <a:rPr lang="en-US" altLang="zh-CN" sz="1400" i="1"/>
+                                    <a:rPr lang="en-US" altLang="zh-CN" sz="1400" i="1">
+                                      <a:latin typeface="Cambria Math" panose="02040503050406030204" pitchFamily="18" charset="0"/>
+                                    </a:rPr>
                                     <m:t>+</m:t>
                                   </m:r>
                                   <m:r>
-                                    <a:rPr lang="en-US" altLang="zh-CN" sz="1400" i="1"/>
+                                    <a:rPr lang="en-US" altLang="zh-CN" sz="1400" i="1">
+                                      <a:latin typeface="Cambria Math" panose="02040503050406030204" pitchFamily="18" charset="0"/>
+                                    </a:rPr>
                                     <m:t>𝐿</m:t>
                                   </m:r>
                                 </m:e>
                               </m:d>
                               <m:r>
-                                <a:rPr lang="en-US" altLang="zh-CN" sz="1400" i="1"/>
+                                <a:rPr lang="en-US" altLang="zh-CN" sz="1400" i="1">
+                                  <a:latin typeface="Cambria Math" panose="02040503050406030204" pitchFamily="18" charset="0"/>
+                                </a:rPr>
                                 <m:t>)</m:t>
                               </m:r>
                             </m:e>
@@ -24862,25 +25007,7 @@
                       <a:rPr lang="zh-CN" altLang="en-US" sz="1400" i="1">
                         <a:latin typeface="Cambria Math" panose="02040503050406030204" pitchFamily="18" charset="0"/>
                       </a:rPr>
-                      <m:t>标准化</m:t>
-                    </m:r>
-                    <m:r>
-                      <a:rPr lang="zh-CN" altLang="en-US" sz="1400" i="1">
-                        <a:latin typeface="Cambria Math" panose="02040503050406030204" pitchFamily="18" charset="0"/>
-                      </a:rPr>
-                      <m:t>时</m:t>
-                    </m:r>
-                    <m:r>
-                      <a:rPr lang="zh-CN" altLang="en-US" sz="1400" i="1">
-                        <a:latin typeface="Cambria Math" panose="02040503050406030204" pitchFamily="18" charset="0"/>
-                      </a:rPr>
-                      <m:t>，</m:t>
-                    </m:r>
-                    <m:r>
-                      <a:rPr lang="zh-CN" altLang="en-US" sz="1400" i="1">
-                        <a:latin typeface="Cambria Math" panose="02040503050406030204" pitchFamily="18" charset="0"/>
-                      </a:rPr>
-                      <m:t>减去</m:t>
+                      <m:t>标准化时，减去</m:t>
                     </m:r>
                   </m:oMath>
                 </a14:m>
@@ -24901,11 +25028,15 @@
                       <m:rPr>
                         <m:sty m:val="p"/>
                       </m:rPr>
-                      <a:rPr lang="en-US" altLang="zh-CN" sz="1400"/>
+                      <a:rPr lang="en-US" altLang="zh-CN" sz="1400">
+                        <a:latin typeface="Cambria Math" panose="02040503050406030204" pitchFamily="18" charset="0"/>
+                      </a:rPr>
                       <m:t>S</m:t>
                     </m:r>
                     <m:r>
-                      <a:rPr lang="en-US" altLang="zh-CN" sz="1400"/>
+                      <a:rPr lang="en-US" altLang="zh-CN" sz="1400">
+                        <a:latin typeface="Cambria Math" panose="02040503050406030204" pitchFamily="18" charset="0"/>
+                      </a:rPr>
                       <m:t>=</m:t>
                     </m:r>
                     <m:d>
@@ -24913,14 +25044,18 @@
                         <m:begChr m:val="["/>
                         <m:endChr m:val="]"/>
                         <m:ctrlPr>
-                          <a:rPr lang="zh-CN" altLang="zh-CN" sz="1400" i="1"/>
+                          <a:rPr lang="zh-CN" altLang="zh-CN" sz="1400" i="1">
+                            <a:latin typeface="Cambria Math" panose="02040503050406030204" pitchFamily="18" charset="0"/>
+                          </a:rPr>
                         </m:ctrlPr>
                       </m:dPr>
                       <m:e>
                         <m:sSub>
                           <m:sSubPr>
                             <m:ctrlPr>
-                              <a:rPr lang="zh-CN" altLang="zh-CN" sz="1400" i="1"/>
+                              <a:rPr lang="zh-CN" altLang="zh-CN" sz="1400" i="1">
+                                <a:latin typeface="Cambria Math" panose="02040503050406030204" pitchFamily="18" charset="0"/>
+                              </a:rPr>
                             </m:ctrlPr>
                           </m:sSubPr>
                           <m:e>
@@ -24928,7 +25063,9 @@
                               <m:rPr>
                                 <m:sty m:val="p"/>
                               </m:rPr>
-                              <a:rPr lang="en-US" altLang="zh-CN" sz="1400"/>
+                              <a:rPr lang="en-US" altLang="zh-CN" sz="1400">
+                                <a:latin typeface="Cambria Math" panose="02040503050406030204" pitchFamily="18" charset="0"/>
+                              </a:rPr>
                               <m:t>S</m:t>
                             </m:r>
                           </m:e>
@@ -24937,19 +25074,25 @@
                               <m:rPr>
                                 <m:sty m:val="p"/>
                               </m:rPr>
-                              <a:rPr lang="en-US" altLang="zh-CN" sz="1400"/>
+                              <a:rPr lang="en-US" altLang="zh-CN" sz="1400">
+                                <a:latin typeface="Cambria Math" panose="02040503050406030204" pitchFamily="18" charset="0"/>
+                              </a:rPr>
                               <m:t>δ</m:t>
                             </m:r>
                           </m:sub>
                         </m:sSub>
                         <m:r>
-                          <a:rPr lang="en-US" altLang="zh-CN" sz="1400"/>
+                          <a:rPr lang="en-US" altLang="zh-CN" sz="1400">
+                            <a:latin typeface="Cambria Math" panose="02040503050406030204" pitchFamily="18" charset="0"/>
+                          </a:rPr>
                           <m:t> , </m:t>
                         </m:r>
                         <m:sSub>
                           <m:sSubPr>
                             <m:ctrlPr>
-                              <a:rPr lang="zh-CN" altLang="zh-CN" sz="1400" i="1"/>
+                              <a:rPr lang="zh-CN" altLang="zh-CN" sz="1400" i="1">
+                                <a:latin typeface="Cambria Math" panose="02040503050406030204" pitchFamily="18" charset="0"/>
+                              </a:rPr>
                             </m:ctrlPr>
                           </m:sSubPr>
                           <m:e>
@@ -24957,32 +25100,42 @@
                               <m:rPr>
                                 <m:sty m:val="p"/>
                               </m:rPr>
-                              <a:rPr lang="en-US" altLang="zh-CN" sz="1400"/>
+                              <a:rPr lang="en-US" altLang="zh-CN" sz="1400">
+                                <a:latin typeface="Cambria Math" panose="02040503050406030204" pitchFamily="18" charset="0"/>
+                              </a:rPr>
                               <m:t>S</m:t>
                             </m:r>
                           </m:e>
                           <m:sub>
                             <m:r>
-                              <a:rPr lang="en-US" altLang="zh-CN" sz="1400"/>
+                              <a:rPr lang="en-US" altLang="zh-CN" sz="1400">
+                                <a:latin typeface="Cambria Math" panose="02040503050406030204" pitchFamily="18" charset="0"/>
+                              </a:rPr>
                               <m:t>2</m:t>
                             </m:r>
                             <m:r>
                               <m:rPr>
                                 <m:sty m:val="p"/>
                               </m:rPr>
-                              <a:rPr lang="en-US" altLang="zh-CN" sz="1400"/>
+                              <a:rPr lang="en-US" altLang="zh-CN" sz="1400">
+                                <a:latin typeface="Cambria Math" panose="02040503050406030204" pitchFamily="18" charset="0"/>
+                              </a:rPr>
                               <m:t>δ</m:t>
                             </m:r>
                           </m:sub>
                         </m:sSub>
                         <m:r>
-                          <a:rPr lang="en-US" altLang="zh-CN" sz="1400"/>
+                          <a:rPr lang="en-US" altLang="zh-CN" sz="1400">
+                            <a:latin typeface="Cambria Math" panose="02040503050406030204" pitchFamily="18" charset="0"/>
+                          </a:rPr>
                           <m:t>, </m:t>
                         </m:r>
                         <m:sSub>
                           <m:sSubPr>
                             <m:ctrlPr>
-                              <a:rPr lang="zh-CN" altLang="zh-CN" sz="1400" i="1"/>
+                              <a:rPr lang="zh-CN" altLang="zh-CN" sz="1400" i="1">
+                                <a:latin typeface="Cambria Math" panose="02040503050406030204" pitchFamily="18" charset="0"/>
+                              </a:rPr>
                             </m:ctrlPr>
                           </m:sSubPr>
                           <m:e>
@@ -24990,32 +25143,42 @@
                               <m:rPr>
                                 <m:sty m:val="p"/>
                               </m:rPr>
-                              <a:rPr lang="en-US" altLang="zh-CN" sz="1400"/>
+                              <a:rPr lang="en-US" altLang="zh-CN" sz="1400">
+                                <a:latin typeface="Cambria Math" panose="02040503050406030204" pitchFamily="18" charset="0"/>
+                              </a:rPr>
                               <m:t>S</m:t>
                             </m:r>
                           </m:e>
                           <m:sub>
                             <m:r>
-                              <a:rPr lang="en-US" altLang="zh-CN" sz="1400"/>
+                              <a:rPr lang="en-US" altLang="zh-CN" sz="1400">
+                                <a:latin typeface="Cambria Math" panose="02040503050406030204" pitchFamily="18" charset="0"/>
+                              </a:rPr>
                               <m:t>3</m:t>
                             </m:r>
                             <m:r>
                               <m:rPr>
                                 <m:sty m:val="p"/>
                               </m:rPr>
-                              <a:rPr lang="en-US" altLang="zh-CN" sz="1400"/>
+                              <a:rPr lang="en-US" altLang="zh-CN" sz="1400">
+                                <a:latin typeface="Cambria Math" panose="02040503050406030204" pitchFamily="18" charset="0"/>
+                              </a:rPr>
                               <m:t>δ</m:t>
                             </m:r>
                           </m:sub>
                         </m:sSub>
                         <m:r>
-                          <a:rPr lang="en-US" altLang="zh-CN" sz="1400"/>
+                          <a:rPr lang="en-US" altLang="zh-CN" sz="1400">
+                            <a:latin typeface="Cambria Math" panose="02040503050406030204" pitchFamily="18" charset="0"/>
+                          </a:rPr>
                           <m:t>, …,</m:t>
                         </m:r>
                         <m:sSub>
                           <m:sSubPr>
                             <m:ctrlPr>
-                              <a:rPr lang="zh-CN" altLang="zh-CN" sz="1400" i="1"/>
+                              <a:rPr lang="zh-CN" altLang="zh-CN" sz="1400" i="1">
+                                <a:latin typeface="Cambria Math" panose="02040503050406030204" pitchFamily="18" charset="0"/>
+                              </a:rPr>
                             </m:ctrlPr>
                           </m:sSubPr>
                           <m:e>
@@ -25023,7 +25186,9 @@
                               <m:rPr>
                                 <m:sty m:val="p"/>
                               </m:rPr>
-                              <a:rPr lang="en-US" altLang="zh-CN" sz="1400"/>
+                              <a:rPr lang="en-US" altLang="zh-CN" sz="1400">
+                                <a:latin typeface="Cambria Math" panose="02040503050406030204" pitchFamily="18" charset="0"/>
+                              </a:rPr>
                               <m:t>S</m:t>
                             </m:r>
                           </m:e>
@@ -25032,13 +25197,17 @@
                               <m:rPr>
                                 <m:sty m:val="p"/>
                               </m:rPr>
-                              <a:rPr lang="en-US" altLang="zh-CN" sz="1400"/>
+                              <a:rPr lang="en-US" altLang="zh-CN" sz="1400">
+                                <a:latin typeface="Cambria Math" panose="02040503050406030204" pitchFamily="18" charset="0"/>
+                              </a:rPr>
                               <m:t>N</m:t>
                             </m:r>
                           </m:sub>
                         </m:sSub>
                         <m:r>
-                          <a:rPr lang="en-US" altLang="zh-CN" sz="1400"/>
+                          <a:rPr lang="en-US" altLang="zh-CN" sz="1400">
+                            <a:latin typeface="Cambria Math" panose="02040503050406030204" pitchFamily="18" charset="0"/>
+                          </a:rPr>
                           <m:t> </m:t>
                         </m:r>
                       </m:e>
@@ -25154,7 +25323,7 @@
             </p:txBody>
           </p:sp>
         </mc:Choice>
-        <mc:Fallback>
+        <mc:Fallback xmlns="">
           <p:sp>
             <p:nvSpPr>
               <p:cNvPr id="3" name="内容占位符 2"/>
@@ -25313,8 +25482,8 @@
           </a:p>
         </p:txBody>
       </p:sp>
-      <mc:AlternateContent xmlns:mc="http://schemas.openxmlformats.org/markup-compatibility/2006">
-        <mc:Choice xmlns:a14="http://schemas.microsoft.com/office/drawing/2010/main" Requires="a14">
+      <mc:AlternateContent xmlns:mc="http://schemas.openxmlformats.org/markup-compatibility/2006" xmlns:a14="http://schemas.microsoft.com/office/drawing/2010/main">
+        <mc:Choice Requires="a14">
           <p:sp>
             <p:nvSpPr>
               <p:cNvPr id="3" name="内容占位符 2"/>
@@ -25350,33 +25519,45 @@
                     </m:oMathParaPr>
                     <m:oMath xmlns:m="http://schemas.openxmlformats.org/officeDocument/2006/math">
                       <m:r>
-                        <a:rPr lang="en-US" altLang="zh-CN" sz="1600" i="1"/>
+                        <a:rPr lang="en-US" altLang="zh-CN" sz="1600" i="1">
+                          <a:latin typeface="Cambria Math" panose="02040503050406030204" pitchFamily="18" charset="0"/>
+                        </a:rPr>
                         <m:t>𝑦</m:t>
                       </m:r>
                       <m:r>
-                        <a:rPr lang="en-US" altLang="zh-CN" sz="1600" i="1"/>
+                        <a:rPr lang="en-US" altLang="zh-CN" sz="1600" i="1">
+                          <a:latin typeface="Cambria Math" panose="02040503050406030204" pitchFamily="18" charset="0"/>
+                        </a:rPr>
                         <m:t>=</m:t>
                       </m:r>
                       <m:r>
-                        <a:rPr lang="en-US" altLang="zh-CN" sz="1600" i="1"/>
+                        <a:rPr lang="en-US" altLang="zh-CN" sz="1600" i="1">
+                          <a:latin typeface="Cambria Math" panose="02040503050406030204" pitchFamily="18" charset="0"/>
+                        </a:rPr>
                         <m:t>𝑊𝑥</m:t>
                       </m:r>
                       <m:r>
-                        <a:rPr lang="en-US" altLang="zh-CN" sz="1600" i="1"/>
+                        <a:rPr lang="en-US" altLang="zh-CN" sz="1600" i="1">
+                          <a:latin typeface="Cambria Math" panose="02040503050406030204" pitchFamily="18" charset="0"/>
+                        </a:rPr>
                         <m:t>+</m:t>
                       </m:r>
                       <m:r>
                         <a:rPr lang="en-US" altLang="zh-CN" sz="1600" i="1">
+                          <a:latin typeface="Cambria Math" panose="02040503050406030204" pitchFamily="18" charset="0"/>
                           <a:hlinkClick r:id="" action="ppaction://noaction"/>
                         </a:rPr>
                         <m:t>𝜇</m:t>
                       </m:r>
                       <m:r>
-                        <a:rPr lang="en-US" altLang="zh-CN" sz="1600" i="1"/>
+                        <a:rPr lang="en-US" altLang="zh-CN" sz="1600" i="1">
+                          <a:latin typeface="Cambria Math" panose="02040503050406030204" pitchFamily="18" charset="0"/>
+                        </a:rPr>
                         <m:t>+</m:t>
                       </m:r>
                       <m:r>
                         <a:rPr lang="en-US" altLang="zh-CN" sz="1600" i="1">
+                          <a:latin typeface="Cambria Math" panose="02040503050406030204" pitchFamily="18" charset="0"/>
                           <a:hlinkClick r:id="" action="ppaction://noaction"/>
                         </a:rPr>
                         <m:t>𝜖</m:t>
@@ -25405,7 +25586,9 @@
                 <a14:m>
                   <m:oMath xmlns:m="http://schemas.openxmlformats.org/officeDocument/2006/math">
                     <m:r>
-                      <a:rPr lang="en-US" altLang="zh-CN" sz="1600" i="1"/>
+                      <a:rPr lang="en-US" altLang="zh-CN" sz="1600" i="1">
+                        <a:latin typeface="Cambria Math" panose="02040503050406030204" pitchFamily="18" charset="0"/>
+                      </a:rPr>
                       <m:t>𝜇</m:t>
                     </m:r>
                   </m:oMath>
@@ -25423,15 +25606,20 @@
                 <a14:m>
                   <m:oMath xmlns:m="http://schemas.openxmlformats.org/officeDocument/2006/math">
                     <m:r>
-                      <a:rPr lang="en-US" altLang="zh-CN" sz="1600" i="1"/>
+                      <a:rPr lang="en-US" altLang="zh-CN" sz="1600" i="1">
+                        <a:latin typeface="Cambria Math" panose="02040503050406030204" pitchFamily="18" charset="0"/>
+                      </a:rPr>
                       <m:t>𝜖</m:t>
                     </m:r>
                     <m:r>
-                      <a:rPr lang="en-US" altLang="zh-CN" sz="1600" i="1"/>
+                      <a:rPr lang="en-US" altLang="zh-CN" sz="1600" i="1">
+                        <a:latin typeface="Cambria Math" panose="02040503050406030204" pitchFamily="18" charset="0"/>
+                      </a:rPr>
                       <m:t>~</m:t>
                     </m:r>
                     <m:r>
                       <a:rPr lang="en-US" altLang="zh-CN" sz="1600" i="1">
+                        <a:latin typeface="Cambria Math" panose="02040503050406030204" pitchFamily="18" charset="0"/>
                         <a:hlinkClick r:id="" action="ppaction://noaction"/>
                       </a:rPr>
                       <m:t>𝑁</m:t>
@@ -25439,19 +25627,25 @@
                     <m:d>
                       <m:dPr>
                         <m:ctrlPr>
-                          <a:rPr lang="zh-CN" altLang="zh-CN" sz="1600" i="1"/>
+                          <a:rPr lang="zh-CN" altLang="zh-CN" sz="1600" i="1">
+                            <a:latin typeface="Cambria Math" panose="02040503050406030204" pitchFamily="18" charset="0"/>
+                          </a:rPr>
                         </m:ctrlPr>
                       </m:dPr>
                       <m:e>
                         <m:r>
-                          <a:rPr lang="en-US" altLang="zh-CN" sz="1600" i="1"/>
+                          <a:rPr lang="en-US" altLang="zh-CN" sz="1600" i="1">
+                            <a:latin typeface="Cambria Math" panose="02040503050406030204" pitchFamily="18" charset="0"/>
+                          </a:rPr>
                           <m:t>0, </m:t>
                         </m:r>
                         <m:r>
                           <m:rPr>
                             <m:sty m:val="p"/>
                           </m:rPr>
-                          <a:rPr lang="en-US" altLang="zh-CN" sz="1600"/>
+                          <a:rPr lang="en-US" altLang="zh-CN" sz="1600">
+                            <a:latin typeface="Cambria Math" panose="02040503050406030204" pitchFamily="18" charset="0"/>
+                          </a:rPr>
                           <m:t>Ψ</m:t>
                         </m:r>
                       </m:e>
@@ -25471,33 +25665,45 @@
                 <a14:m>
                   <m:oMath xmlns:m="http://schemas.openxmlformats.org/officeDocument/2006/math">
                     <m:r>
-                      <a:rPr lang="en-US" altLang="zh-CN" sz="1600" i="1"/>
+                      <a:rPr lang="en-US" altLang="zh-CN" sz="1600" i="1">
+                        <a:latin typeface="Cambria Math" panose="02040503050406030204" pitchFamily="18" charset="0"/>
+                      </a:rPr>
                       <m:t>𝑥</m:t>
                     </m:r>
                     <m:r>
-                      <a:rPr lang="en-US" altLang="zh-CN" sz="1600" i="1"/>
+                      <a:rPr lang="en-US" altLang="zh-CN" sz="1600" i="1">
+                        <a:latin typeface="Cambria Math" panose="02040503050406030204" pitchFamily="18" charset="0"/>
+                      </a:rPr>
                       <m:t>~</m:t>
                     </m:r>
                     <m:r>
-                      <a:rPr lang="en-US" altLang="zh-CN" sz="1600" i="1"/>
+                      <a:rPr lang="en-US" altLang="zh-CN" sz="1600" i="1">
+                        <a:latin typeface="Cambria Math" panose="02040503050406030204" pitchFamily="18" charset="0"/>
+                      </a:rPr>
                       <m:t>𝑁</m:t>
                     </m:r>
                     <m:d>
                       <m:dPr>
                         <m:ctrlPr>
-                          <a:rPr lang="zh-CN" altLang="zh-CN" sz="1600" i="1"/>
+                          <a:rPr lang="zh-CN" altLang="zh-CN" sz="1600" i="1">
+                            <a:latin typeface="Cambria Math" panose="02040503050406030204" pitchFamily="18" charset="0"/>
+                          </a:rPr>
                         </m:ctrlPr>
                       </m:dPr>
                       <m:e>
                         <m:r>
-                          <a:rPr lang="en-US" altLang="zh-CN" sz="1600" i="1"/>
+                          <a:rPr lang="en-US" altLang="zh-CN" sz="1600" i="1">
+                            <a:latin typeface="Cambria Math" panose="02040503050406030204" pitchFamily="18" charset="0"/>
+                          </a:rPr>
                           <m:t>0, </m:t>
                         </m:r>
                         <m:r>
                           <m:rPr>
                             <m:sty m:val="p"/>
                           </m:rPr>
-                          <a:rPr lang="en-US" altLang="zh-CN" sz="1600"/>
+                          <a:rPr lang="en-US" altLang="zh-CN" sz="1600">
+                            <a:latin typeface="Cambria Math" panose="02040503050406030204" pitchFamily="18" charset="0"/>
+                          </a:rPr>
                           <m:t>I</m:t>
                         </m:r>
                       </m:e>
@@ -25517,36 +25723,50 @@
                 <a14:m>
                   <m:oMath xmlns:m="http://schemas.openxmlformats.org/officeDocument/2006/math">
                     <m:r>
-                      <a:rPr lang="en-US" altLang="zh-CN" sz="1600" i="1"/>
+                      <a:rPr lang="en-US" altLang="zh-CN" sz="1600" i="1">
+                        <a:latin typeface="Cambria Math" panose="02040503050406030204" pitchFamily="18" charset="0"/>
+                      </a:rPr>
                       <m:t>𝑦</m:t>
                     </m:r>
                     <m:r>
-                      <a:rPr lang="en-US" altLang="zh-CN" sz="1600" i="1"/>
+                      <a:rPr lang="en-US" altLang="zh-CN" sz="1600" i="1">
+                        <a:latin typeface="Cambria Math" panose="02040503050406030204" pitchFamily="18" charset="0"/>
+                      </a:rPr>
                       <m:t>~</m:t>
                     </m:r>
                     <m:r>
-                      <a:rPr lang="en-US" altLang="zh-CN" sz="1600" i="1"/>
+                      <a:rPr lang="en-US" altLang="zh-CN" sz="1600" i="1">
+                        <a:latin typeface="Cambria Math" panose="02040503050406030204" pitchFamily="18" charset="0"/>
+                      </a:rPr>
                       <m:t>𝑁</m:t>
                     </m:r>
                     <m:d>
                       <m:dPr>
                         <m:ctrlPr>
-                          <a:rPr lang="zh-CN" altLang="zh-CN" sz="1600" i="1"/>
+                          <a:rPr lang="zh-CN" altLang="zh-CN" sz="1600" i="1">
+                            <a:latin typeface="Cambria Math" panose="02040503050406030204" pitchFamily="18" charset="0"/>
+                          </a:rPr>
                         </m:ctrlPr>
                       </m:dPr>
                       <m:e>
                         <m:r>
-                          <a:rPr lang="en-US" altLang="zh-CN" sz="1600" i="1"/>
+                          <a:rPr lang="en-US" altLang="zh-CN" sz="1600" i="1">
+                            <a:latin typeface="Cambria Math" panose="02040503050406030204" pitchFamily="18" charset="0"/>
+                          </a:rPr>
                           <m:t>𝜇</m:t>
                         </m:r>
                         <m:r>
-                          <a:rPr lang="en-US" altLang="zh-CN" sz="1600" i="1"/>
+                          <a:rPr lang="en-US" altLang="zh-CN" sz="1600" i="1">
+                            <a:latin typeface="Cambria Math" panose="02040503050406030204" pitchFamily="18" charset="0"/>
+                          </a:rPr>
                           <m:t>, </m:t>
                         </m:r>
                         <m:sSup>
                           <m:sSupPr>
                             <m:ctrlPr>
-                              <a:rPr lang="zh-CN" altLang="zh-CN" sz="1600" i="1"/>
+                              <a:rPr lang="zh-CN" altLang="zh-CN" sz="1600" i="1">
+                                <a:latin typeface="Cambria Math" panose="02040503050406030204" pitchFamily="18" charset="0"/>
+                              </a:rPr>
                             </m:ctrlPr>
                           </m:sSupPr>
                           <m:e>
@@ -25554,7 +25774,9 @@
                               <m:rPr>
                                 <m:sty m:val="p"/>
                               </m:rPr>
-                              <a:rPr lang="en-US" altLang="zh-CN" sz="1600"/>
+                              <a:rPr lang="en-US" altLang="zh-CN" sz="1600">
+                                <a:latin typeface="Cambria Math" panose="02040503050406030204" pitchFamily="18" charset="0"/>
+                              </a:rPr>
                               <m:t>WW</m:t>
                             </m:r>
                           </m:e>
@@ -25563,20 +25785,26 @@
                               <m:rPr>
                                 <m:sty m:val="p"/>
                               </m:rPr>
-                              <a:rPr lang="en-US" altLang="zh-CN" sz="1600"/>
+                              <a:rPr lang="en-US" altLang="zh-CN" sz="1600">
+                                <a:latin typeface="Cambria Math" panose="02040503050406030204" pitchFamily="18" charset="0"/>
+                              </a:rPr>
                               <m:t>T</m:t>
                             </m:r>
                           </m:sup>
                         </m:sSup>
                         <m:r>
-                          <a:rPr lang="en-US" altLang="zh-CN" sz="1600" i="1"/>
+                          <a:rPr lang="en-US" altLang="zh-CN" sz="1600" i="1">
+                            <a:latin typeface="Cambria Math" panose="02040503050406030204" pitchFamily="18" charset="0"/>
+                          </a:rPr>
                           <m:t>+</m:t>
                         </m:r>
                         <m:r>
                           <m:rPr>
                             <m:sty m:val="p"/>
                           </m:rPr>
-                          <a:rPr lang="en-US" altLang="zh-CN" sz="1600"/>
+                          <a:rPr lang="en-US" altLang="zh-CN" sz="1600">
+                            <a:latin typeface="Cambria Math" panose="02040503050406030204" pitchFamily="18" charset="0"/>
+                          </a:rPr>
                           <m:t>Ψ</m:t>
                         </m:r>
                       </m:e>
@@ -25605,61 +25833,85 @@
                     </m:oMathParaPr>
                     <m:oMath xmlns:m="http://schemas.openxmlformats.org/officeDocument/2006/math">
                       <m:r>
-                        <a:rPr lang="en-US" altLang="zh-CN" sz="1600" i="1"/>
+                        <a:rPr lang="en-US" altLang="zh-CN" sz="1600" i="1">
+                          <a:latin typeface="Cambria Math" panose="02040503050406030204" pitchFamily="18" charset="0"/>
+                        </a:rPr>
                         <m:t>𝑦</m:t>
                       </m:r>
                       <m:r>
-                        <a:rPr lang="en-US" altLang="zh-CN" sz="1600" i="1"/>
+                        <a:rPr lang="en-US" altLang="zh-CN" sz="1600" i="1">
+                          <a:latin typeface="Cambria Math" panose="02040503050406030204" pitchFamily="18" charset="0"/>
+                        </a:rPr>
                         <m:t>=</m:t>
                       </m:r>
                       <m:r>
-                        <a:rPr lang="en-US" altLang="zh-CN" sz="1600" i="1"/>
+                        <a:rPr lang="en-US" altLang="zh-CN" sz="1600" i="1">
+                          <a:latin typeface="Cambria Math" panose="02040503050406030204" pitchFamily="18" charset="0"/>
+                        </a:rPr>
                         <m:t>𝑊</m:t>
                       </m:r>
                       <m:d>
                         <m:dPr>
                           <m:ctrlPr>
-                            <a:rPr lang="zh-CN" altLang="zh-CN" sz="1600" i="1"/>
+                            <a:rPr lang="zh-CN" altLang="zh-CN" sz="1600" i="1">
+                              <a:latin typeface="Cambria Math" panose="02040503050406030204" pitchFamily="18" charset="0"/>
+                            </a:rPr>
                           </m:ctrlPr>
                         </m:dPr>
                         <m:e>
                           <m:r>
-                            <a:rPr lang="en-US" altLang="zh-CN" sz="1600" i="1"/>
+                            <a:rPr lang="en-US" altLang="zh-CN" sz="1600" i="1">
+                              <a:latin typeface="Cambria Math" panose="02040503050406030204" pitchFamily="18" charset="0"/>
+                            </a:rPr>
                             <m:t>𝑡</m:t>
                           </m:r>
                         </m:e>
                       </m:d>
                       <m:r>
-                        <a:rPr lang="en-US" altLang="zh-CN" sz="1600" i="1"/>
+                        <a:rPr lang="en-US" altLang="zh-CN" sz="1600" i="1">
+                          <a:latin typeface="Cambria Math" panose="02040503050406030204" pitchFamily="18" charset="0"/>
+                        </a:rPr>
                         <m:t>𝑥</m:t>
                       </m:r>
                       <m:r>
-                        <a:rPr lang="en-US" altLang="zh-CN" sz="1600" i="1"/>
+                        <a:rPr lang="en-US" altLang="zh-CN" sz="1600" i="1">
+                          <a:latin typeface="Cambria Math" panose="02040503050406030204" pitchFamily="18" charset="0"/>
+                        </a:rPr>
                         <m:t>+</m:t>
                       </m:r>
                       <m:r>
-                        <a:rPr lang="en-US" altLang="zh-CN" sz="1600" i="1"/>
+                        <a:rPr lang="en-US" altLang="zh-CN" sz="1600" i="1">
+                          <a:latin typeface="Cambria Math" panose="02040503050406030204" pitchFamily="18" charset="0"/>
+                        </a:rPr>
                         <m:t>𝜇</m:t>
                       </m:r>
                       <m:d>
                         <m:dPr>
                           <m:ctrlPr>
-                            <a:rPr lang="zh-CN" altLang="zh-CN" sz="1600" i="1"/>
+                            <a:rPr lang="zh-CN" altLang="zh-CN" sz="1600" i="1">
+                              <a:latin typeface="Cambria Math" panose="02040503050406030204" pitchFamily="18" charset="0"/>
+                            </a:rPr>
                           </m:ctrlPr>
                         </m:dPr>
                         <m:e>
                           <m:r>
-                            <a:rPr lang="en-US" altLang="zh-CN" sz="1600" i="1"/>
+                            <a:rPr lang="en-US" altLang="zh-CN" sz="1600" i="1">
+                              <a:latin typeface="Cambria Math" panose="02040503050406030204" pitchFamily="18" charset="0"/>
+                            </a:rPr>
                             <m:t>𝑡</m:t>
                           </m:r>
                         </m:e>
                       </m:d>
                       <m:r>
-                        <a:rPr lang="en-US" altLang="zh-CN" sz="1600" i="1"/>
+                        <a:rPr lang="en-US" altLang="zh-CN" sz="1600" i="1">
+                          <a:latin typeface="Cambria Math" panose="02040503050406030204" pitchFamily="18" charset="0"/>
+                        </a:rPr>
                         <m:t>+</m:t>
                       </m:r>
                       <m:r>
-                        <a:rPr lang="en-US" altLang="zh-CN" sz="1600" i="1"/>
+                        <a:rPr lang="en-US" altLang="zh-CN" sz="1600" i="1">
+                          <a:latin typeface="Cambria Math" panose="02040503050406030204" pitchFamily="18" charset="0"/>
+                        </a:rPr>
                         <m:t>𝜖</m:t>
                       </m:r>
                     </m:oMath>
@@ -25745,7 +25997,7 @@
             </p:txBody>
           </p:sp>
         </mc:Choice>
-        <mc:Fallback>
+        <mc:Fallback xmlns="">
           <p:sp>
             <p:nvSpPr>
               <p:cNvPr id="3" name="内容占位符 2"/>
@@ -25889,8 +26141,8 @@
           </a:p>
         </p:txBody>
       </p:sp>
-      <mc:AlternateContent xmlns:mc="http://schemas.openxmlformats.org/markup-compatibility/2006">
-        <mc:Choice xmlns:a14="http://schemas.microsoft.com/office/drawing/2010/main" Requires="a14">
+      <mc:AlternateContent xmlns:mc="http://schemas.openxmlformats.org/markup-compatibility/2006" xmlns:a14="http://schemas.microsoft.com/office/drawing/2010/main">
+        <mc:Choice Requires="a14">
           <p:sp>
             <p:nvSpPr>
               <p:cNvPr id="3" name="内容占位符 2"/>
@@ -25954,57 +26206,77 @@
                           <m:begChr m:val="{"/>
                           <m:endChr m:val=""/>
                           <m:ctrlPr>
-                            <a:rPr lang="zh-CN" altLang="zh-CN" sz="1600" i="1"/>
+                            <a:rPr lang="zh-CN" altLang="zh-CN" sz="1600" i="1">
+                              <a:latin typeface="Cambria Math" panose="02040503050406030204" pitchFamily="18" charset="0"/>
+                            </a:rPr>
                           </m:ctrlPr>
                         </m:dPr>
                         <m:e>
                           <m:eqArr>
                             <m:eqArrPr>
                               <m:ctrlPr>
-                                <a:rPr lang="zh-CN" altLang="zh-CN" sz="1600" i="1"/>
+                                <a:rPr lang="zh-CN" altLang="zh-CN" sz="1600" i="1">
+                                  <a:latin typeface="Cambria Math" panose="02040503050406030204" pitchFamily="18" charset="0"/>
+                                </a:rPr>
                               </m:ctrlPr>
                             </m:eqArrPr>
                             <m:e>
                               <m:r>
-                                <a:rPr lang="en-US" altLang="zh-CN" sz="1600" i="1"/>
+                                <a:rPr lang="en-US" altLang="zh-CN" sz="1600" i="1">
+                                  <a:latin typeface="Cambria Math" panose="02040503050406030204" pitchFamily="18" charset="0"/>
+                                </a:rPr>
                                 <m:t>𝑊</m:t>
                               </m:r>
                               <m:d>
                                 <m:dPr>
                                   <m:ctrlPr>
-                                    <a:rPr lang="zh-CN" altLang="zh-CN" sz="1600" i="1"/>
+                                    <a:rPr lang="zh-CN" altLang="zh-CN" sz="1600" i="1">
+                                      <a:latin typeface="Cambria Math" panose="02040503050406030204" pitchFamily="18" charset="0"/>
+                                    </a:rPr>
                                   </m:ctrlPr>
                                 </m:dPr>
                                 <m:e>
                                   <m:r>
-                                    <a:rPr lang="en-US" altLang="zh-CN" sz="1600" i="1"/>
+                                    <a:rPr lang="en-US" altLang="zh-CN" sz="1600" i="1">
+                                      <a:latin typeface="Cambria Math" panose="02040503050406030204" pitchFamily="18" charset="0"/>
+                                    </a:rPr>
                                     <m:t>𝑘</m:t>
                                   </m:r>
                                 </m:e>
                               </m:d>
                               <m:r>
-                                <a:rPr lang="en-US" altLang="zh-CN" sz="1600" i="1"/>
+                                <a:rPr lang="en-US" altLang="zh-CN" sz="1600" i="1">
+                                  <a:latin typeface="Cambria Math" panose="02040503050406030204" pitchFamily="18" charset="0"/>
+                                </a:rPr>
                                 <m:t>=</m:t>
                               </m:r>
                               <m:r>
-                                <a:rPr lang="en-US" altLang="zh-CN" sz="1600" i="1"/>
+                                <a:rPr lang="en-US" altLang="zh-CN" sz="1600" i="1">
+                                  <a:latin typeface="Cambria Math" panose="02040503050406030204" pitchFamily="18" charset="0"/>
+                                </a:rPr>
                                 <m:t>𝑊</m:t>
                               </m:r>
                               <m:d>
                                 <m:dPr>
                                   <m:ctrlPr>
-                                    <a:rPr lang="zh-CN" altLang="zh-CN" sz="1600" i="1"/>
+                                    <a:rPr lang="zh-CN" altLang="zh-CN" sz="1600" i="1">
+                                      <a:latin typeface="Cambria Math" panose="02040503050406030204" pitchFamily="18" charset="0"/>
+                                    </a:rPr>
                                   </m:ctrlPr>
                                 </m:dPr>
                                 <m:e>
                                   <m:r>
-                                    <a:rPr lang="en-US" altLang="zh-CN" sz="1600" i="1"/>
+                                    <a:rPr lang="en-US" altLang="zh-CN" sz="1600" i="1">
+                                      <a:latin typeface="Cambria Math" panose="02040503050406030204" pitchFamily="18" charset="0"/>
+                                    </a:rPr>
                                     <m:t>0</m:t>
                                   </m:r>
                                 </m:e>
                               </m:d>
                               <m:r>
-                                <a:rPr lang="en-US" altLang="zh-CN" sz="1600" i="1"/>
+                                <a:rPr lang="en-US" altLang="zh-CN" sz="1600" i="1">
+                                  <a:latin typeface="Cambria Math" panose="02040503050406030204" pitchFamily="18" charset="0"/>
+                                </a:rPr>
                                 <m:t>+</m:t>
                               </m:r>
                               <m:nary>
@@ -26012,22 +26284,30 @@
                                   <m:chr m:val="∑"/>
                                   <m:limLoc m:val="undOvr"/>
                                   <m:ctrlPr>
-                                    <a:rPr lang="zh-CN" altLang="zh-CN" sz="1600" i="1"/>
+                                    <a:rPr lang="zh-CN" altLang="zh-CN" sz="1600" i="1">
+                                      <a:latin typeface="Cambria Math" panose="02040503050406030204" pitchFamily="18" charset="0"/>
+                                    </a:rPr>
                                   </m:ctrlPr>
                                 </m:naryPr>
                                 <m:sub>
                                   <m:r>
-                                    <a:rPr lang="en-US" altLang="zh-CN" sz="1600" i="1"/>
+                                    <a:rPr lang="en-US" altLang="zh-CN" sz="1600" i="1">
+                                      <a:latin typeface="Cambria Math" panose="02040503050406030204" pitchFamily="18" charset="0"/>
+                                    </a:rPr>
                                     <m:t>𝑖</m:t>
                                   </m:r>
                                   <m:r>
-                                    <a:rPr lang="en-US" altLang="zh-CN" sz="1600" i="1"/>
+                                    <a:rPr lang="en-US" altLang="zh-CN" sz="1600" i="1">
+                                      <a:latin typeface="Cambria Math" panose="02040503050406030204" pitchFamily="18" charset="0"/>
+                                    </a:rPr>
                                     <m:t>=1</m:t>
                                   </m:r>
                                 </m:sub>
                                 <m:sup>
                                   <m:r>
-                                    <a:rPr lang="en-US" altLang="zh-CN" sz="1600" i="1"/>
+                                    <a:rPr lang="en-US" altLang="zh-CN" sz="1600" i="1">
+                                      <a:latin typeface="Cambria Math" panose="02040503050406030204" pitchFamily="18" charset="0"/>
+                                    </a:rPr>
                                     <m:t>𝑘</m:t>
                                   </m:r>
                                 </m:sup>
@@ -26035,41 +26315,55 @@
                                   <m:sSub>
                                     <m:sSubPr>
                                       <m:ctrlPr>
-                                        <a:rPr lang="zh-CN" altLang="zh-CN" sz="1600" i="1"/>
+                                        <a:rPr lang="zh-CN" altLang="zh-CN" sz="1600" i="1">
+                                          <a:latin typeface="Cambria Math" panose="02040503050406030204" pitchFamily="18" charset="0"/>
+                                        </a:rPr>
                                       </m:ctrlPr>
                                     </m:sSubPr>
                                     <m:e>
                                       <m:r>
-                                        <a:rPr lang="en-US" altLang="zh-CN" sz="1600" i="1"/>
+                                        <a:rPr lang="en-US" altLang="zh-CN" sz="1600" i="1">
+                                          <a:latin typeface="Cambria Math" panose="02040503050406030204" pitchFamily="18" charset="0"/>
+                                        </a:rPr>
                                         <m:t>𝑎</m:t>
                                       </m:r>
                                     </m:e>
                                     <m:sub>
                                       <m:r>
-                                        <a:rPr lang="en-US" altLang="zh-CN" sz="1600" i="1"/>
+                                        <a:rPr lang="en-US" altLang="zh-CN" sz="1600" i="1">
+                                          <a:latin typeface="Cambria Math" panose="02040503050406030204" pitchFamily="18" charset="0"/>
+                                        </a:rPr>
                                         <m:t>𝑊</m:t>
                                       </m:r>
                                     </m:sub>
                                   </m:sSub>
                                   <m:r>
-                                    <a:rPr lang="en-US" altLang="zh-CN" sz="1600" i="1"/>
+                                    <a:rPr lang="en-US" altLang="zh-CN" sz="1600" i="1">
+                                      <a:latin typeface="Cambria Math" panose="02040503050406030204" pitchFamily="18" charset="0"/>
+                                    </a:rPr>
                                     <m:t>∗</m:t>
                                   </m:r>
                                   <m:sSub>
                                     <m:sSubPr>
                                       <m:ctrlPr>
-                                        <a:rPr lang="zh-CN" altLang="zh-CN" sz="1600" i="1"/>
+                                        <a:rPr lang="zh-CN" altLang="zh-CN" sz="1600" i="1">
+                                          <a:latin typeface="Cambria Math" panose="02040503050406030204" pitchFamily="18" charset="0"/>
+                                        </a:rPr>
                                       </m:ctrlPr>
                                     </m:sSubPr>
                                     <m:e>
                                       <m:r>
-                                        <a:rPr lang="en-US" altLang="zh-CN" sz="1600" i="1"/>
+                                        <a:rPr lang="en-US" altLang="zh-CN" sz="1600" i="1">
+                                          <a:latin typeface="Cambria Math" panose="02040503050406030204" pitchFamily="18" charset="0"/>
+                                        </a:rPr>
                                         <m:t>𝑅</m:t>
                                       </m:r>
                                     </m:e>
                                     <m:sub>
                                       <m:r>
-                                        <a:rPr lang="en-US" altLang="zh-CN" sz="1600" i="1"/>
+                                        <a:rPr lang="en-US" altLang="zh-CN" sz="1600" i="1">
+                                          <a:latin typeface="Cambria Math" panose="02040503050406030204" pitchFamily="18" charset="0"/>
+                                        </a:rPr>
                                         <m:t>𝑖</m:t>
                                       </m:r>
                                     </m:sub>
@@ -26079,45 +26373,61 @@
                             </m:e>
                             <m:e>
                               <m:r>
-                                <a:rPr lang="en-US" altLang="zh-CN" sz="1600" i="1"/>
+                                <a:rPr lang="en-US" altLang="zh-CN" sz="1600" i="1">
+                                  <a:latin typeface="Cambria Math" panose="02040503050406030204" pitchFamily="18" charset="0"/>
+                                </a:rPr>
                                 <m:t>𝜇</m:t>
                               </m:r>
                               <m:d>
                                 <m:dPr>
                                   <m:ctrlPr>
-                                    <a:rPr lang="zh-CN" altLang="zh-CN" sz="1600" i="1"/>
+                                    <a:rPr lang="zh-CN" altLang="zh-CN" sz="1600" i="1">
+                                      <a:latin typeface="Cambria Math" panose="02040503050406030204" pitchFamily="18" charset="0"/>
+                                    </a:rPr>
                                   </m:ctrlPr>
                                 </m:dPr>
                                 <m:e>
                                   <m:r>
-                                    <a:rPr lang="en-US" altLang="zh-CN" sz="1600" i="1"/>
+                                    <a:rPr lang="en-US" altLang="zh-CN" sz="1600" i="1">
+                                      <a:latin typeface="Cambria Math" panose="02040503050406030204" pitchFamily="18" charset="0"/>
+                                    </a:rPr>
                                     <m:t>𝑘</m:t>
                                   </m:r>
                                 </m:e>
                               </m:d>
                               <m:r>
-                                <a:rPr lang="en-US" altLang="zh-CN" sz="1600" i="1"/>
+                                <a:rPr lang="en-US" altLang="zh-CN" sz="1600" i="1">
+                                  <a:latin typeface="Cambria Math" panose="02040503050406030204" pitchFamily="18" charset="0"/>
+                                </a:rPr>
                                 <m:t>=</m:t>
                               </m:r>
                               <m:r>
-                                <a:rPr lang="en-US" altLang="zh-CN" sz="1600" i="1"/>
+                                <a:rPr lang="en-US" altLang="zh-CN" sz="1600" i="1">
+                                  <a:latin typeface="Cambria Math" panose="02040503050406030204" pitchFamily="18" charset="0"/>
+                                </a:rPr>
                                 <m:t>𝜇</m:t>
                               </m:r>
                               <m:d>
                                 <m:dPr>
                                   <m:ctrlPr>
-                                    <a:rPr lang="zh-CN" altLang="zh-CN" sz="1600" i="1"/>
+                                    <a:rPr lang="zh-CN" altLang="zh-CN" sz="1600" i="1">
+                                      <a:latin typeface="Cambria Math" panose="02040503050406030204" pitchFamily="18" charset="0"/>
+                                    </a:rPr>
                                   </m:ctrlPr>
                                 </m:dPr>
                                 <m:e>
                                   <m:r>
-                                    <a:rPr lang="en-US" altLang="zh-CN" sz="1600" i="1"/>
+                                    <a:rPr lang="en-US" altLang="zh-CN" sz="1600" i="1">
+                                      <a:latin typeface="Cambria Math" panose="02040503050406030204" pitchFamily="18" charset="0"/>
+                                    </a:rPr>
                                     <m:t>0</m:t>
                                   </m:r>
                                 </m:e>
                               </m:d>
                               <m:r>
-                                <a:rPr lang="en-US" altLang="zh-CN" sz="1600" i="1"/>
+                                <a:rPr lang="en-US" altLang="zh-CN" sz="1600" i="1">
+                                  <a:latin typeface="Cambria Math" panose="02040503050406030204" pitchFamily="18" charset="0"/>
+                                </a:rPr>
                                 <m:t>+</m:t>
                               </m:r>
                               <m:nary>
@@ -26125,22 +26435,30 @@
                                   <m:chr m:val="∑"/>
                                   <m:limLoc m:val="undOvr"/>
                                   <m:ctrlPr>
-                                    <a:rPr lang="zh-CN" altLang="zh-CN" sz="1600" i="1"/>
+                                    <a:rPr lang="zh-CN" altLang="zh-CN" sz="1600" i="1">
+                                      <a:latin typeface="Cambria Math" panose="02040503050406030204" pitchFamily="18" charset="0"/>
+                                    </a:rPr>
                                   </m:ctrlPr>
                                 </m:naryPr>
                                 <m:sub>
                                   <m:r>
-                                    <a:rPr lang="en-US" altLang="zh-CN" sz="1600" i="1"/>
+                                    <a:rPr lang="en-US" altLang="zh-CN" sz="1600" i="1">
+                                      <a:latin typeface="Cambria Math" panose="02040503050406030204" pitchFamily="18" charset="0"/>
+                                    </a:rPr>
                                     <m:t>𝑖</m:t>
                                   </m:r>
                                   <m:r>
-                                    <a:rPr lang="en-US" altLang="zh-CN" sz="1600" i="1"/>
+                                    <a:rPr lang="en-US" altLang="zh-CN" sz="1600" i="1">
+                                      <a:latin typeface="Cambria Math" panose="02040503050406030204" pitchFamily="18" charset="0"/>
+                                    </a:rPr>
                                     <m:t>=1</m:t>
                                   </m:r>
                                 </m:sub>
                                 <m:sup>
                                   <m:r>
-                                    <a:rPr lang="en-US" altLang="zh-CN" sz="1600" i="1"/>
+                                    <a:rPr lang="en-US" altLang="zh-CN" sz="1600" i="1">
+                                      <a:latin typeface="Cambria Math" panose="02040503050406030204" pitchFamily="18" charset="0"/>
+                                    </a:rPr>
                                     <m:t>𝑘</m:t>
                                   </m:r>
                                 </m:sup>
@@ -26148,41 +26466,55 @@
                                   <m:sSub>
                                     <m:sSubPr>
                                       <m:ctrlPr>
-                                        <a:rPr lang="zh-CN" altLang="zh-CN" sz="1600" i="1"/>
+                                        <a:rPr lang="zh-CN" altLang="zh-CN" sz="1600" i="1">
+                                          <a:latin typeface="Cambria Math" panose="02040503050406030204" pitchFamily="18" charset="0"/>
+                                        </a:rPr>
                                       </m:ctrlPr>
                                     </m:sSubPr>
                                     <m:e>
                                       <m:r>
-                                        <a:rPr lang="en-US" altLang="zh-CN" sz="1600" i="1"/>
+                                        <a:rPr lang="en-US" altLang="zh-CN" sz="1600" i="1">
+                                          <a:latin typeface="Cambria Math" panose="02040503050406030204" pitchFamily="18" charset="0"/>
+                                        </a:rPr>
                                         <m:t>𝑎</m:t>
                                       </m:r>
                                     </m:e>
                                     <m:sub>
                                       <m:r>
-                                        <a:rPr lang="en-US" altLang="zh-CN" sz="1600" i="1"/>
+                                        <a:rPr lang="en-US" altLang="zh-CN" sz="1600" i="1">
+                                          <a:latin typeface="Cambria Math" panose="02040503050406030204" pitchFamily="18" charset="0"/>
+                                        </a:rPr>
                                         <m:t>𝜇</m:t>
                                       </m:r>
                                     </m:sub>
                                   </m:sSub>
                                   <m:r>
-                                    <a:rPr lang="en-US" altLang="zh-CN" sz="1600" i="1"/>
+                                    <a:rPr lang="en-US" altLang="zh-CN" sz="1600" i="1">
+                                      <a:latin typeface="Cambria Math" panose="02040503050406030204" pitchFamily="18" charset="0"/>
+                                    </a:rPr>
                                     <m:t>∗</m:t>
                                   </m:r>
                                   <m:sSub>
                                     <m:sSubPr>
                                       <m:ctrlPr>
-                                        <a:rPr lang="zh-CN" altLang="zh-CN" sz="1600" i="1"/>
+                                        <a:rPr lang="zh-CN" altLang="zh-CN" sz="1600" i="1">
+                                          <a:latin typeface="Cambria Math" panose="02040503050406030204" pitchFamily="18" charset="0"/>
+                                        </a:rPr>
                                       </m:ctrlPr>
                                     </m:sSubPr>
                                     <m:e>
                                       <m:r>
-                                        <a:rPr lang="en-US" altLang="zh-CN" sz="1600" i="1"/>
+                                        <a:rPr lang="en-US" altLang="zh-CN" sz="1600" i="1">
+                                          <a:latin typeface="Cambria Math" panose="02040503050406030204" pitchFamily="18" charset="0"/>
+                                        </a:rPr>
                                         <m:t>𝑅</m:t>
                                       </m:r>
                                     </m:e>
                                     <m:sub>
                                       <m:r>
-                                        <a:rPr lang="en-US" altLang="zh-CN" sz="1600" i="1"/>
+                                        <a:rPr lang="en-US" altLang="zh-CN" sz="1600" i="1">
+                                          <a:latin typeface="Cambria Math" panose="02040503050406030204" pitchFamily="18" charset="0"/>
+                                        </a:rPr>
                                         <m:t>𝑖</m:t>
                                       </m:r>
                                     </m:sub>
@@ -26204,7 +26536,7 @@
             </p:txBody>
           </p:sp>
         </mc:Choice>
-        <mc:Fallback>
+        <mc:Fallback xmlns="">
           <p:sp>
             <p:nvSpPr>
               <p:cNvPr id="3" name="内容占位符 2"/>
